--- a/Car_Insurance_Presentation.pptx
+++ b/Car_Insurance_Presentation.pptx
@@ -9674,6 +9674,18 @@
     <p:sldLayoutId id="2147483657" r:id="rId10"/>
     <p:sldLayoutId id="2147483658" r:id="rId11"/>
   </p:sldLayoutIdLst>
+  <mc:AlternateContent>
+    <mc:Choice Requires="p14">
+      <p:transition spd="slow" p14:dur="2100">
+        <p:fade thruBlk="1"/>
+      </p:transition>
+    </mc:Choice>
+    <mc:Fallback>
+      <p:transition spd="slow">
+        <p:fade/>
+      </p:transition>
+    </mc:Fallback>
+  </mc:AlternateContent>
   <p:hf dt="0" ftr="0" hdr="0" sldNum="0"/>
   <p:txStyles>
     <p:titleStyle>
@@ -10935,6 +10947,18 @@
     <p:sldLayoutId id="2147483668" r:id="rId10"/>
     <p:sldLayoutId id="2147483669" r:id="rId11"/>
   </p:sldLayoutIdLst>
+  <mc:AlternateContent>
+    <mc:Choice Requires="p14">
+      <p:transition spd="slow" p14:dur="2100">
+        <p:fade thruBlk="1"/>
+      </p:transition>
+    </mc:Choice>
+    <mc:Fallback>
+      <p:transition spd="slow">
+        <p:fade/>
+      </p:transition>
+    </mc:Fallback>
+  </mc:AlternateContent>
   <p:hf dt="0" ftr="0" hdr="0" sldNum="0"/>
   <p:txStyles>
     <p:titleStyle>
@@ -12543,291 +12567,6 @@
   <p:clrMapOvr>
     <a:masterClrMapping/>
   </p:clrMapOvr>
-  <p:timing>
-    <p:tnLst>
-      <p:par>
-        <p:cTn dur="indefinite" nodeType="tmRoot" restart="never">
-          <p:childTnLst>
-            <p:seq concurrent="1" nextAc="seek">
-              <p:cTn dur="indefinite" id="2" nodeType="mainSeq">
-                <p:childTnLst>
-                  <p:par>
-                    <p:cTn fill="hold">
-                      <p:stCondLst>
-                        <p:cond delay="indefinite"/>
-                      </p:stCondLst>
-                      <p:childTnLst>
-                        <p:par>
-                          <p:cTn fill="hold">
-                            <p:stCondLst>
-                              <p:cond delay="0"/>
-                            </p:stCondLst>
-                            <p:childTnLst>
-                              <p:par>
-                                <p:cTn fill="hold" nodeType="clickEffect" presetClass="entr" presetID="10" presetSubtype="0">
-                                  <p:stCondLst>
-                                    <p:cond delay="0"/>
-                                  </p:stCondLst>
-                                  <p:childTnLst>
-                                    <p:set>
-                                      <p:cBhvr>
-                                        <p:cTn dur="1" fill="hold">
-                                          <p:stCondLst>
-                                            <p:cond delay="0"/>
-                                          </p:stCondLst>
-                                        </p:cTn>
-                                        <p:tgtEl>
-                                          <p:spTgt spid="168"/>
-                                        </p:tgtEl>
-                                        <p:attrNameLst>
-                                          <p:attrName>style.visibility</p:attrName>
-                                        </p:attrNameLst>
-                                      </p:cBhvr>
-                                      <p:to>
-                                        <p:strVal val="visible"/>
-                                      </p:to>
-                                    </p:set>
-                                    <p:animEffect filter="fade" transition="in">
-                                      <p:cBhvr>
-                                        <p:cTn dur="1000"/>
-                                        <p:tgtEl>
-                                          <p:spTgt spid="168"/>
-                                        </p:tgtEl>
-                                      </p:cBhvr>
-                                    </p:animEffect>
-                                  </p:childTnLst>
-                                </p:cTn>
-                              </p:par>
-                            </p:childTnLst>
-                          </p:cTn>
-                        </p:par>
-                      </p:childTnLst>
-                    </p:cTn>
-                  </p:par>
-                  <p:par>
-                    <p:cTn fill="hold">
-                      <p:stCondLst>
-                        <p:cond delay="indefinite"/>
-                      </p:stCondLst>
-                      <p:childTnLst>
-                        <p:par>
-                          <p:cTn fill="hold">
-                            <p:stCondLst>
-                              <p:cond delay="0"/>
-                            </p:stCondLst>
-                            <p:childTnLst>
-                              <p:par>
-                                <p:cTn fill="hold" nodeType="clickEffect" presetClass="entr" presetID="10" presetSubtype="0">
-                                  <p:stCondLst>
-                                    <p:cond delay="0"/>
-                                  </p:stCondLst>
-                                  <p:childTnLst>
-                                    <p:set>
-                                      <p:cBhvr>
-                                        <p:cTn dur="1" fill="hold">
-                                          <p:stCondLst>
-                                            <p:cond delay="0"/>
-                                          </p:stCondLst>
-                                        </p:cTn>
-                                        <p:tgtEl>
-                                          <p:spTgt spid="170"/>
-                                        </p:tgtEl>
-                                        <p:attrNameLst>
-                                          <p:attrName>style.visibility</p:attrName>
-                                        </p:attrNameLst>
-                                      </p:cBhvr>
-                                      <p:to>
-                                        <p:strVal val="visible"/>
-                                      </p:to>
-                                    </p:set>
-                                    <p:animEffect filter="fade" transition="in">
-                                      <p:cBhvr>
-                                        <p:cTn dur="1000"/>
-                                        <p:tgtEl>
-                                          <p:spTgt spid="170"/>
-                                        </p:tgtEl>
-                                      </p:cBhvr>
-                                    </p:animEffect>
-                                  </p:childTnLst>
-                                </p:cTn>
-                              </p:par>
-                            </p:childTnLst>
-                          </p:cTn>
-                        </p:par>
-                      </p:childTnLst>
-                    </p:cTn>
-                  </p:par>
-                  <p:par>
-                    <p:cTn fill="hold">
-                      <p:stCondLst>
-                        <p:cond delay="indefinite"/>
-                      </p:stCondLst>
-                      <p:childTnLst>
-                        <p:par>
-                          <p:cTn fill="hold">
-                            <p:stCondLst>
-                              <p:cond delay="0"/>
-                            </p:stCondLst>
-                            <p:childTnLst>
-                              <p:par>
-                                <p:cTn fill="hold" nodeType="clickEffect" presetClass="entr" presetID="1" presetSubtype="0">
-                                  <p:stCondLst>
-                                    <p:cond delay="0"/>
-                                  </p:stCondLst>
-                                  <p:childTnLst>
-                                    <p:set>
-                                      <p:cBhvr>
-                                        <p:cTn dur="1" fill="hold">
-                                          <p:stCondLst>
-                                            <p:cond delay="0"/>
-                                          </p:stCondLst>
-                                        </p:cTn>
-                                        <p:tgtEl>
-                                          <p:spTgt spid="171"/>
-                                        </p:tgtEl>
-                                        <p:attrNameLst>
-                                          <p:attrName>style.visibility</p:attrName>
-                                        </p:attrNameLst>
-                                      </p:cBhvr>
-                                      <p:to>
-                                        <p:strVal val="visible"/>
-                                      </p:to>
-                                    </p:set>
-                                  </p:childTnLst>
-                                </p:cTn>
-                              </p:par>
-                              <p:par>
-                                <p:cTn fill="hold" nodeType="withEffect" presetClass="entr" presetID="1" presetSubtype="0">
-                                  <p:stCondLst>
-                                    <p:cond delay="0"/>
-                                  </p:stCondLst>
-                                  <p:childTnLst>
-                                    <p:set>
-                                      <p:cBhvr>
-                                        <p:cTn dur="1" fill="hold">
-                                          <p:stCondLst>
-                                            <p:cond delay="0"/>
-                                          </p:stCondLst>
-                                        </p:cTn>
-                                        <p:tgtEl>
-                                          <p:spTgt spid="172"/>
-                                        </p:tgtEl>
-                                        <p:attrNameLst>
-                                          <p:attrName>style.visibility</p:attrName>
-                                        </p:attrNameLst>
-                                      </p:cBhvr>
-                                      <p:to>
-                                        <p:strVal val="visible"/>
-                                      </p:to>
-                                    </p:set>
-                                  </p:childTnLst>
-                                </p:cTn>
-                              </p:par>
-                              <p:par>
-                                <p:cTn fill="hold" nodeType="withEffect" presetClass="entr" presetID="1" presetSubtype="0">
-                                  <p:stCondLst>
-                                    <p:cond delay="0"/>
-                                  </p:stCondLst>
-                                  <p:childTnLst>
-                                    <p:set>
-                                      <p:cBhvr>
-                                        <p:cTn dur="1" fill="hold">
-                                          <p:stCondLst>
-                                            <p:cond delay="0"/>
-                                          </p:stCondLst>
-                                        </p:cTn>
-                                        <p:tgtEl>
-                                          <p:spTgt spid="173"/>
-                                        </p:tgtEl>
-                                        <p:attrNameLst>
-                                          <p:attrName>style.visibility</p:attrName>
-                                        </p:attrNameLst>
-                                      </p:cBhvr>
-                                      <p:to>
-                                        <p:strVal val="visible"/>
-                                      </p:to>
-                                    </p:set>
-                                  </p:childTnLst>
-                                </p:cTn>
-                              </p:par>
-                              <p:par>
-                                <p:cTn fill="hold" nodeType="withEffect" presetClass="entr" presetID="2" presetSubtype="1">
-                                  <p:stCondLst>
-                                    <p:cond delay="0"/>
-                                  </p:stCondLst>
-                                  <p:childTnLst>
-                                    <p:set>
-                                      <p:cBhvr>
-                                        <p:cTn dur="1" fill="hold">
-                                          <p:stCondLst>
-                                            <p:cond delay="0"/>
-                                          </p:stCondLst>
-                                        </p:cTn>
-                                        <p:tgtEl>
-                                          <p:spTgt spid="174"/>
-                                        </p:tgtEl>
-                                        <p:attrNameLst>
-                                          <p:attrName>style.visibility</p:attrName>
-                                        </p:attrNameLst>
-                                      </p:cBhvr>
-                                      <p:to>
-                                        <p:strVal val="visible"/>
-                                      </p:to>
-                                    </p:set>
-                                    <p:anim calcmode="lin" valueType="num">
-                                      <p:cBhvr additive="base">
-                                        <p:cTn dur="1000"/>
-                                        <p:tgtEl>
-                                          <p:spTgt spid="174"/>
-                                        </p:tgtEl>
-                                        <p:attrNameLst>
-                                          <p:attrName>ppt_y</p:attrName>
-                                        </p:attrNameLst>
-                                      </p:cBhvr>
-                                      <p:tavLst>
-                                        <p:tav fmla="" tm="0">
-                                          <p:val>
-                                            <p:strVal val="#ppt_y-1"/>
-                                          </p:val>
-                                        </p:tav>
-                                        <p:tav fmla="" tm="100000">
-                                          <p:val>
-                                            <p:strVal val="#ppt_y"/>
-                                          </p:val>
-                                        </p:tav>
-                                      </p:tavLst>
-                                    </p:anim>
-                                  </p:childTnLst>
-                                </p:cTn>
-                              </p:par>
-                            </p:childTnLst>
-                          </p:cTn>
-                        </p:par>
-                      </p:childTnLst>
-                    </p:cTn>
-                  </p:par>
-                </p:childTnLst>
-              </p:cTn>
-              <p:prevCondLst>
-                <p:cond evt="onPrev">
-                  <p:tgtEl>
-                    <p:sldTgt/>
-                  </p:tgtEl>
-                </p:cond>
-              </p:prevCondLst>
-              <p:nextCondLst>
-                <p:cond evt="onNext">
-                  <p:tgtEl>
-                    <p:sldTgt/>
-                  </p:tgtEl>
-                </p:cond>
-              </p:nextCondLst>
-            </p:seq>
-          </p:childTnLst>
-        </p:cTn>
-      </p:par>
-    </p:tnLst>
-  </p:timing>
 </p:sld>
 </file>
 
@@ -13172,367 +12911,6 @@
   <p:clrMapOvr>
     <a:masterClrMapping/>
   </p:clrMapOvr>
-  <p:timing>
-    <p:tnLst>
-      <p:par>
-        <p:cTn dur="indefinite" nodeType="tmRoot" restart="never">
-          <p:childTnLst>
-            <p:seq concurrent="1" nextAc="seek">
-              <p:cTn dur="indefinite" id="2" nodeType="mainSeq">
-                <p:childTnLst>
-                  <p:par>
-                    <p:cTn fill="hold">
-                      <p:stCondLst>
-                        <p:cond delay="indefinite"/>
-                      </p:stCondLst>
-                      <p:childTnLst>
-                        <p:par>
-                          <p:cTn fill="hold">
-                            <p:stCondLst>
-                              <p:cond delay="0"/>
-                            </p:stCondLst>
-                            <p:childTnLst>
-                              <p:par>
-                                <p:cTn fill="hold" nodeType="clickEffect" presetClass="entr" presetID="1" presetSubtype="0">
-                                  <p:stCondLst>
-                                    <p:cond delay="0"/>
-                                  </p:stCondLst>
-                                  <p:childTnLst>
-                                    <p:set>
-                                      <p:cBhvr>
-                                        <p:cTn dur="1" fill="hold">
-                                          <p:stCondLst>
-                                            <p:cond delay="0"/>
-                                          </p:stCondLst>
-                                        </p:cTn>
-                                        <p:tgtEl>
-                                          <p:spTgt spid="184"/>
-                                        </p:tgtEl>
-                                        <p:attrNameLst>
-                                          <p:attrName>style.visibility</p:attrName>
-                                        </p:attrNameLst>
-                                      </p:cBhvr>
-                                      <p:to>
-                                        <p:strVal val="visible"/>
-                                      </p:to>
-                                    </p:set>
-                                  </p:childTnLst>
-                                </p:cTn>
-                              </p:par>
-                              <p:par>
-                                <p:cTn fill="hold" nodeType="withEffect" presetClass="entr" presetID="10" presetSubtype="0">
-                                  <p:stCondLst>
-                                    <p:cond delay="0"/>
-                                  </p:stCondLst>
-                                  <p:childTnLst>
-                                    <p:set>
-                                      <p:cBhvr>
-                                        <p:cTn dur="1" fill="hold">
-                                          <p:stCondLst>
-                                            <p:cond delay="0"/>
-                                          </p:stCondLst>
-                                        </p:cTn>
-                                        <p:tgtEl>
-                                          <p:spTgt spid="182"/>
-                                        </p:tgtEl>
-                                        <p:attrNameLst>
-                                          <p:attrName>style.visibility</p:attrName>
-                                        </p:attrNameLst>
-                                      </p:cBhvr>
-                                      <p:to>
-                                        <p:strVal val="visible"/>
-                                      </p:to>
-                                    </p:set>
-                                    <p:animEffect filter="fade" transition="in">
-                                      <p:cBhvr>
-                                        <p:cTn dur="1000"/>
-                                        <p:tgtEl>
-                                          <p:spTgt spid="182"/>
-                                        </p:tgtEl>
-                                      </p:cBhvr>
-                                    </p:animEffect>
-                                  </p:childTnLst>
-                                </p:cTn>
-                              </p:par>
-                            </p:childTnLst>
-                          </p:cTn>
-                        </p:par>
-                      </p:childTnLst>
-                    </p:cTn>
-                  </p:par>
-                  <p:par>
-                    <p:cTn fill="hold">
-                      <p:stCondLst>
-                        <p:cond delay="indefinite"/>
-                      </p:stCondLst>
-                      <p:childTnLst>
-                        <p:par>
-                          <p:cTn fill="hold">
-                            <p:stCondLst>
-                              <p:cond delay="0"/>
-                            </p:stCondLst>
-                            <p:childTnLst>
-                              <p:par>
-                                <p:cTn fill="hold" nodeType="clickEffect" presetClass="entr" presetID="1" presetSubtype="0">
-                                  <p:stCondLst>
-                                    <p:cond delay="0"/>
-                                  </p:stCondLst>
-                                  <p:childTnLst>
-                                    <p:set>
-                                      <p:cBhvr>
-                                        <p:cTn dur="1" fill="hold">
-                                          <p:stCondLst>
-                                            <p:cond delay="0"/>
-                                          </p:stCondLst>
-                                        </p:cTn>
-                                        <p:tgtEl>
-                                          <p:spTgt spid="181"/>
-                                        </p:tgtEl>
-                                        <p:attrNameLst>
-                                          <p:attrName>style.visibility</p:attrName>
-                                        </p:attrNameLst>
-                                      </p:cBhvr>
-                                      <p:to>
-                                        <p:strVal val="visible"/>
-                                      </p:to>
-                                    </p:set>
-                                  </p:childTnLst>
-                                </p:cTn>
-                              </p:par>
-                              <p:par>
-                                <p:cTn fill="hold" nodeType="withEffect" presetClass="entr" presetID="10" presetSubtype="0">
-                                  <p:stCondLst>
-                                    <p:cond delay="0"/>
-                                  </p:stCondLst>
-                                  <p:childTnLst>
-                                    <p:set>
-                                      <p:cBhvr>
-                                        <p:cTn dur="1" fill="hold">
-                                          <p:stCondLst>
-                                            <p:cond delay="0"/>
-                                          </p:stCondLst>
-                                        </p:cTn>
-                                        <p:tgtEl>
-                                          <p:spTgt spid="185"/>
-                                        </p:tgtEl>
-                                        <p:attrNameLst>
-                                          <p:attrName>style.visibility</p:attrName>
-                                        </p:attrNameLst>
-                                      </p:cBhvr>
-                                      <p:to>
-                                        <p:strVal val="visible"/>
-                                      </p:to>
-                                    </p:set>
-                                    <p:animEffect filter="fade" transition="in">
-                                      <p:cBhvr>
-                                        <p:cTn dur="1000"/>
-                                        <p:tgtEl>
-                                          <p:spTgt spid="185"/>
-                                        </p:tgtEl>
-                                      </p:cBhvr>
-                                    </p:animEffect>
-                                  </p:childTnLst>
-                                </p:cTn>
-                              </p:par>
-                            </p:childTnLst>
-                          </p:cTn>
-                        </p:par>
-                      </p:childTnLst>
-                    </p:cTn>
-                  </p:par>
-                  <p:par>
-                    <p:cTn fill="hold">
-                      <p:stCondLst>
-                        <p:cond delay="indefinite"/>
-                      </p:stCondLst>
-                      <p:childTnLst>
-                        <p:par>
-                          <p:cTn fill="hold">
-                            <p:stCondLst>
-                              <p:cond delay="0"/>
-                            </p:stCondLst>
-                            <p:childTnLst>
-                              <p:par>
-                                <p:cTn fill="hold" nodeType="clickEffect" presetClass="entr" presetID="1" presetSubtype="0">
-                                  <p:stCondLst>
-                                    <p:cond delay="0"/>
-                                  </p:stCondLst>
-                                  <p:childTnLst>
-                                    <p:set>
-                                      <p:cBhvr>
-                                        <p:cTn dur="1" fill="hold">
-                                          <p:stCondLst>
-                                            <p:cond delay="0"/>
-                                          </p:stCondLst>
-                                        </p:cTn>
-                                        <p:tgtEl>
-                                          <p:spTgt spid="186"/>
-                                        </p:tgtEl>
-                                        <p:attrNameLst>
-                                          <p:attrName>style.visibility</p:attrName>
-                                        </p:attrNameLst>
-                                      </p:cBhvr>
-                                      <p:to>
-                                        <p:strVal val="visible"/>
-                                      </p:to>
-                                    </p:set>
-                                  </p:childTnLst>
-                                </p:cTn>
-                              </p:par>
-                              <p:par>
-                                <p:cTn fill="hold" nodeType="withEffect" presetClass="entr" presetID="10" presetSubtype="0">
-                                  <p:stCondLst>
-                                    <p:cond delay="0"/>
-                                  </p:stCondLst>
-                                  <p:childTnLst>
-                                    <p:set>
-                                      <p:cBhvr>
-                                        <p:cTn dur="1" fill="hold">
-                                          <p:stCondLst>
-                                            <p:cond delay="0"/>
-                                          </p:stCondLst>
-                                        </p:cTn>
-                                        <p:tgtEl>
-                                          <p:spTgt spid="180"/>
-                                        </p:tgtEl>
-                                        <p:attrNameLst>
-                                          <p:attrName>style.visibility</p:attrName>
-                                        </p:attrNameLst>
-                                      </p:cBhvr>
-                                      <p:to>
-                                        <p:strVal val="visible"/>
-                                      </p:to>
-                                    </p:set>
-                                    <p:animEffect filter="fade" transition="in">
-                                      <p:cBhvr>
-                                        <p:cTn dur="1000"/>
-                                        <p:tgtEl>
-                                          <p:spTgt spid="180"/>
-                                        </p:tgtEl>
-                                      </p:cBhvr>
-                                    </p:animEffect>
-                                  </p:childTnLst>
-                                </p:cTn>
-                              </p:par>
-                            </p:childTnLst>
-                          </p:cTn>
-                        </p:par>
-                      </p:childTnLst>
-                    </p:cTn>
-                  </p:par>
-                  <p:par>
-                    <p:cTn fill="hold">
-                      <p:stCondLst>
-                        <p:cond delay="indefinite"/>
-                      </p:stCondLst>
-                      <p:childTnLst>
-                        <p:par>
-                          <p:cTn fill="hold">
-                            <p:stCondLst>
-                              <p:cond delay="0"/>
-                            </p:stCondLst>
-                            <p:childTnLst>
-                              <p:par>
-                                <p:cTn fill="hold" nodeType="clickEffect" presetClass="entr" presetID="23" presetSubtype="16">
-                                  <p:stCondLst>
-                                    <p:cond delay="0"/>
-                                  </p:stCondLst>
-                                  <p:childTnLst>
-                                    <p:set>
-                                      <p:cBhvr>
-                                        <p:cTn dur="1" fill="hold">
-                                          <p:stCondLst>
-                                            <p:cond delay="0"/>
-                                          </p:stCondLst>
-                                        </p:cTn>
-                                        <p:tgtEl>
-                                          <p:spTgt spid="179"/>
-                                        </p:tgtEl>
-                                        <p:attrNameLst>
-                                          <p:attrName>style.visibility</p:attrName>
-                                        </p:attrNameLst>
-                                      </p:cBhvr>
-                                      <p:to>
-                                        <p:strVal val="visible"/>
-                                      </p:to>
-                                    </p:set>
-                                    <p:anim calcmode="lin" valueType="num">
-                                      <p:cBhvr additive="base">
-                                        <p:cTn dur="1000"/>
-                                        <p:tgtEl>
-                                          <p:spTgt spid="179"/>
-                                        </p:tgtEl>
-                                        <p:attrNameLst>
-                                          <p:attrName>ppt_w</p:attrName>
-                                        </p:attrNameLst>
-                                      </p:cBhvr>
-                                      <p:tavLst>
-                                        <p:tav fmla="" tm="0">
-                                          <p:val>
-                                            <p:strVal val="0"/>
-                                          </p:val>
-                                        </p:tav>
-                                        <p:tav fmla="" tm="100000">
-                                          <p:val>
-                                            <p:strVal val="#ppt_w"/>
-                                          </p:val>
-                                        </p:tav>
-                                      </p:tavLst>
-                                    </p:anim>
-                                    <p:anim calcmode="lin" valueType="num">
-                                      <p:cBhvr additive="base">
-                                        <p:cTn dur="1000"/>
-                                        <p:tgtEl>
-                                          <p:spTgt spid="179"/>
-                                        </p:tgtEl>
-                                        <p:attrNameLst>
-                                          <p:attrName>ppt_h</p:attrName>
-                                        </p:attrNameLst>
-                                      </p:cBhvr>
-                                      <p:tavLst>
-                                        <p:tav fmla="" tm="0">
-                                          <p:val>
-                                            <p:strVal val="0"/>
-                                          </p:val>
-                                        </p:tav>
-                                        <p:tav fmla="" tm="100000">
-                                          <p:val>
-                                            <p:strVal val="#ppt_h"/>
-                                          </p:val>
-                                        </p:tav>
-                                      </p:tavLst>
-                                    </p:anim>
-                                  </p:childTnLst>
-                                </p:cTn>
-                              </p:par>
-                            </p:childTnLst>
-                          </p:cTn>
-                        </p:par>
-                      </p:childTnLst>
-                    </p:cTn>
-                  </p:par>
-                </p:childTnLst>
-              </p:cTn>
-              <p:prevCondLst>
-                <p:cond evt="onPrev">
-                  <p:tgtEl>
-                    <p:sldTgt/>
-                  </p:tgtEl>
-                </p:cond>
-              </p:prevCondLst>
-              <p:nextCondLst>
-                <p:cond evt="onNext">
-                  <p:tgtEl>
-                    <p:sldTgt/>
-                  </p:tgtEl>
-                </p:cond>
-              </p:nextCondLst>
-            </p:seq>
-          </p:childTnLst>
-        </p:cTn>
-      </p:par>
-    </p:tnLst>
-  </p:timing>
 </p:sld>
 </file>
 
@@ -14158,795 +13536,6 @@
   <p:clrMapOvr>
     <a:masterClrMapping/>
   </p:clrMapOvr>
-  <p:timing>
-    <p:tnLst>
-      <p:par>
-        <p:cTn dur="indefinite" nodeType="tmRoot" restart="never">
-          <p:childTnLst>
-            <p:seq concurrent="1" nextAc="seek">
-              <p:cTn dur="indefinite" id="2" nodeType="mainSeq">
-                <p:childTnLst>
-                  <p:par>
-                    <p:cTn fill="hold">
-                      <p:stCondLst>
-                        <p:cond delay="indefinite"/>
-                      </p:stCondLst>
-                      <p:childTnLst>
-                        <p:par>
-                          <p:cTn fill="hold">
-                            <p:stCondLst>
-                              <p:cond delay="0"/>
-                            </p:stCondLst>
-                            <p:childTnLst>
-                              <p:par>
-                                <p:cTn fill="hold" nodeType="clickEffect" presetClass="entr" presetID="10" presetSubtype="0">
-                                  <p:stCondLst>
-                                    <p:cond delay="0"/>
-                                  </p:stCondLst>
-                                  <p:childTnLst>
-                                    <p:set>
-                                      <p:cBhvr>
-                                        <p:cTn dur="1" fill="hold">
-                                          <p:stCondLst>
-                                            <p:cond delay="0"/>
-                                          </p:stCondLst>
-                                        </p:cTn>
-                                        <p:tgtEl>
-                                          <p:spTgt spid="193"/>
-                                        </p:tgtEl>
-                                        <p:attrNameLst>
-                                          <p:attrName>style.visibility</p:attrName>
-                                        </p:attrNameLst>
-                                      </p:cBhvr>
-                                      <p:to>
-                                        <p:strVal val="visible"/>
-                                      </p:to>
-                                    </p:set>
-                                    <p:animEffect filter="fade" transition="in">
-                                      <p:cBhvr>
-                                        <p:cTn dur="1000"/>
-                                        <p:tgtEl>
-                                          <p:spTgt spid="193"/>
-                                        </p:tgtEl>
-                                      </p:cBhvr>
-                                    </p:animEffect>
-                                  </p:childTnLst>
-                                </p:cTn>
-                              </p:par>
-                            </p:childTnLst>
-                          </p:cTn>
-                        </p:par>
-                      </p:childTnLst>
-                    </p:cTn>
-                  </p:par>
-                  <p:par>
-                    <p:cTn fill="hold">
-                      <p:stCondLst>
-                        <p:cond delay="indefinite"/>
-                      </p:stCondLst>
-                      <p:childTnLst>
-                        <p:par>
-                          <p:cTn fill="hold">
-                            <p:stCondLst>
-                              <p:cond delay="0"/>
-                            </p:stCondLst>
-                            <p:childTnLst>
-                              <p:par>
-                                <p:cTn fill="hold" nodeType="clickEffect" presetClass="entr" presetID="1" presetSubtype="0">
-                                  <p:stCondLst>
-                                    <p:cond delay="0"/>
-                                  </p:stCondLst>
-                                  <p:childTnLst>
-                                    <p:set>
-                                      <p:cBhvr>
-                                        <p:cTn dur="1" fill="hold">
-                                          <p:stCondLst>
-                                            <p:cond delay="0"/>
-                                          </p:stCondLst>
-                                        </p:cTn>
-                                        <p:tgtEl>
-                                          <p:spTgt spid="195"/>
-                                        </p:tgtEl>
-                                        <p:attrNameLst>
-                                          <p:attrName>style.visibility</p:attrName>
-                                        </p:attrNameLst>
-                                      </p:cBhvr>
-                                      <p:to>
-                                        <p:strVal val="visible"/>
-                                      </p:to>
-                                    </p:set>
-                                  </p:childTnLst>
-                                </p:cTn>
-                              </p:par>
-                              <p:par>
-                                <p:cTn fill="hold" nodeType="withEffect" presetClass="entr" presetID="10" presetSubtype="0">
-                                  <p:stCondLst>
-                                    <p:cond delay="0"/>
-                                  </p:stCondLst>
-                                  <p:childTnLst>
-                                    <p:set>
-                                      <p:cBhvr>
-                                        <p:cTn dur="1" fill="hold">
-                                          <p:stCondLst>
-                                            <p:cond delay="0"/>
-                                          </p:stCondLst>
-                                        </p:cTn>
-                                        <p:tgtEl>
-                                          <p:spTgt spid="191"/>
-                                        </p:tgtEl>
-                                        <p:attrNameLst>
-                                          <p:attrName>style.visibility</p:attrName>
-                                        </p:attrNameLst>
-                                      </p:cBhvr>
-                                      <p:to>
-                                        <p:strVal val="visible"/>
-                                      </p:to>
-                                    </p:set>
-                                    <p:animEffect filter="fade" transition="in">
-                                      <p:cBhvr>
-                                        <p:cTn dur="1000"/>
-                                        <p:tgtEl>
-                                          <p:spTgt spid="191"/>
-                                        </p:tgtEl>
-                                      </p:cBhvr>
-                                    </p:animEffect>
-                                  </p:childTnLst>
-                                </p:cTn>
-                              </p:par>
-                            </p:childTnLst>
-                          </p:cTn>
-                        </p:par>
-                      </p:childTnLst>
-                    </p:cTn>
-                  </p:par>
-                  <p:par>
-                    <p:cTn fill="hold">
-                      <p:stCondLst>
-                        <p:cond delay="indefinite"/>
-                      </p:stCondLst>
-                      <p:childTnLst>
-                        <p:par>
-                          <p:cTn fill="hold">
-                            <p:stCondLst>
-                              <p:cond delay="0"/>
-                            </p:stCondLst>
-                            <p:childTnLst>
-                              <p:par>
-                                <p:cTn fill="hold" nodeType="clickEffect" presetClass="entr" presetID="1" presetSubtype="0">
-                                  <p:stCondLst>
-                                    <p:cond delay="0"/>
-                                  </p:stCondLst>
-                                  <p:childTnLst>
-                                    <p:set>
-                                      <p:cBhvr>
-                                        <p:cTn dur="1" fill="hold">
-                                          <p:stCondLst>
-                                            <p:cond delay="0"/>
-                                          </p:stCondLst>
-                                        </p:cTn>
-                                        <p:tgtEl>
-                                          <p:spTgt spid="196"/>
-                                        </p:tgtEl>
-                                        <p:attrNameLst>
-                                          <p:attrName>style.visibility</p:attrName>
-                                        </p:attrNameLst>
-                                      </p:cBhvr>
-                                      <p:to>
-                                        <p:strVal val="visible"/>
-                                      </p:to>
-                                    </p:set>
-                                  </p:childTnLst>
-                                </p:cTn>
-                              </p:par>
-                              <p:par>
-                                <p:cTn fill="hold" nodeType="withEffect" presetClass="entr" presetID="10" presetSubtype="0">
-                                  <p:stCondLst>
-                                    <p:cond delay="0"/>
-                                  </p:stCondLst>
-                                  <p:childTnLst>
-                                    <p:set>
-                                      <p:cBhvr>
-                                        <p:cTn dur="1" fill="hold">
-                                          <p:stCondLst>
-                                            <p:cond delay="0"/>
-                                          </p:stCondLst>
-                                        </p:cTn>
-                                        <p:tgtEl>
-                                          <p:spTgt spid="192"/>
-                                        </p:tgtEl>
-                                        <p:attrNameLst>
-                                          <p:attrName>style.visibility</p:attrName>
-                                        </p:attrNameLst>
-                                      </p:cBhvr>
-                                      <p:to>
-                                        <p:strVal val="visible"/>
-                                      </p:to>
-                                    </p:set>
-                                    <p:animEffect filter="fade" transition="in">
-                                      <p:cBhvr>
-                                        <p:cTn dur="1000"/>
-                                        <p:tgtEl>
-                                          <p:spTgt spid="192"/>
-                                        </p:tgtEl>
-                                      </p:cBhvr>
-                                    </p:animEffect>
-                                  </p:childTnLst>
-                                </p:cTn>
-                              </p:par>
-                            </p:childTnLst>
-                          </p:cTn>
-                        </p:par>
-                      </p:childTnLst>
-                    </p:cTn>
-                  </p:par>
-                  <p:par>
-                    <p:cTn fill="hold">
-                      <p:stCondLst>
-                        <p:cond delay="indefinite"/>
-                      </p:stCondLst>
-                      <p:childTnLst>
-                        <p:par>
-                          <p:cTn fill="hold">
-                            <p:stCondLst>
-                              <p:cond delay="0"/>
-                            </p:stCondLst>
-                            <p:childTnLst>
-                              <p:par>
-                                <p:cTn fill="hold" nodeType="clickEffect" presetClass="entr" presetID="1" presetSubtype="0">
-                                  <p:stCondLst>
-                                    <p:cond delay="0"/>
-                                  </p:stCondLst>
-                                  <p:childTnLst>
-                                    <p:set>
-                                      <p:cBhvr>
-                                        <p:cTn dur="1" fill="hold">
-                                          <p:stCondLst>
-                                            <p:cond delay="0"/>
-                                          </p:stCondLst>
-                                        </p:cTn>
-                                        <p:tgtEl>
-                                          <p:spTgt spid="197"/>
-                                        </p:tgtEl>
-                                        <p:attrNameLst>
-                                          <p:attrName>style.visibility</p:attrName>
-                                        </p:attrNameLst>
-                                      </p:cBhvr>
-                                      <p:to>
-                                        <p:strVal val="visible"/>
-                                      </p:to>
-                                    </p:set>
-                                  </p:childTnLst>
-                                </p:cTn>
-                              </p:par>
-                            </p:childTnLst>
-                          </p:cTn>
-                        </p:par>
-                        <p:par>
-                          <p:cTn fill="hold">
-                            <p:stCondLst>
-                              <p:cond delay="0"/>
-                            </p:stCondLst>
-                            <p:childTnLst>
-                              <p:par>
-                                <p:cTn fill="hold" nodeType="afterEffect" presetClass="entr" presetID="10" presetSubtype="0">
-                                  <p:stCondLst>
-                                    <p:cond delay="0"/>
-                                  </p:stCondLst>
-                                  <p:childTnLst>
-                                    <p:set>
-                                      <p:cBhvr>
-                                        <p:cTn dur="1" fill="hold">
-                                          <p:stCondLst>
-                                            <p:cond delay="0"/>
-                                          </p:stCondLst>
-                                        </p:cTn>
-                                        <p:tgtEl>
-                                          <p:spTgt spid="202">
-                                            <p:txEl>
-                                              <p:pRg end="0" st="0"/>
-                                            </p:txEl>
-                                          </p:spTgt>
-                                        </p:tgtEl>
-                                        <p:attrNameLst>
-                                          <p:attrName>style.visibility</p:attrName>
-                                        </p:attrNameLst>
-                                      </p:cBhvr>
-                                      <p:to>
-                                        <p:strVal val="visible"/>
-                                      </p:to>
-                                    </p:set>
-                                    <p:animEffect filter="fade" transition="in">
-                                      <p:cBhvr>
-                                        <p:cTn dur="1000"/>
-                                        <p:tgtEl>
-                                          <p:spTgt spid="202">
-                                            <p:txEl>
-                                              <p:pRg end="0" st="0"/>
-                                            </p:txEl>
-                                          </p:spTgt>
-                                        </p:tgtEl>
-                                      </p:cBhvr>
-                                    </p:animEffect>
-                                  </p:childTnLst>
-                                </p:cTn>
-                              </p:par>
-                            </p:childTnLst>
-                          </p:cTn>
-                        </p:par>
-                        <p:par>
-                          <p:cTn fill="hold">
-                            <p:stCondLst>
-                              <p:cond delay="1000"/>
-                            </p:stCondLst>
-                            <p:childTnLst>
-                              <p:par>
-                                <p:cTn fill="hold" nodeType="afterEffect" presetClass="entr" presetID="10" presetSubtype="0">
-                                  <p:stCondLst>
-                                    <p:cond delay="0"/>
-                                  </p:stCondLst>
-                                  <p:childTnLst>
-                                    <p:set>
-                                      <p:cBhvr>
-                                        <p:cTn dur="1" fill="hold">
-                                          <p:stCondLst>
-                                            <p:cond delay="0"/>
-                                          </p:stCondLst>
-                                        </p:cTn>
-                                        <p:tgtEl>
-                                          <p:spTgt spid="202">
-                                            <p:txEl>
-                                              <p:pRg end="1" st="1"/>
-                                            </p:txEl>
-                                          </p:spTgt>
-                                        </p:tgtEl>
-                                        <p:attrNameLst>
-                                          <p:attrName>style.visibility</p:attrName>
-                                        </p:attrNameLst>
-                                      </p:cBhvr>
-                                      <p:to>
-                                        <p:strVal val="visible"/>
-                                      </p:to>
-                                    </p:set>
-                                    <p:animEffect filter="fade" transition="in">
-                                      <p:cBhvr>
-                                        <p:cTn dur="1000"/>
-                                        <p:tgtEl>
-                                          <p:spTgt spid="202">
-                                            <p:txEl>
-                                              <p:pRg end="1" st="1"/>
-                                            </p:txEl>
-                                          </p:spTgt>
-                                        </p:tgtEl>
-                                      </p:cBhvr>
-                                    </p:animEffect>
-                                  </p:childTnLst>
-                                </p:cTn>
-                              </p:par>
-                            </p:childTnLst>
-                          </p:cTn>
-                        </p:par>
-                        <p:par>
-                          <p:cTn fill="hold">
-                            <p:stCondLst>
-                              <p:cond delay="2000"/>
-                            </p:stCondLst>
-                            <p:childTnLst>
-                              <p:par>
-                                <p:cTn fill="hold" nodeType="afterEffect" presetClass="entr" presetID="10" presetSubtype="0">
-                                  <p:stCondLst>
-                                    <p:cond delay="0"/>
-                                  </p:stCondLst>
-                                  <p:childTnLst>
-                                    <p:set>
-                                      <p:cBhvr>
-                                        <p:cTn dur="1" fill="hold">
-                                          <p:stCondLst>
-                                            <p:cond delay="0"/>
-                                          </p:stCondLst>
-                                        </p:cTn>
-                                        <p:tgtEl>
-                                          <p:spTgt spid="202">
-                                            <p:txEl>
-                                              <p:pRg end="2" st="2"/>
-                                            </p:txEl>
-                                          </p:spTgt>
-                                        </p:tgtEl>
-                                        <p:attrNameLst>
-                                          <p:attrName>style.visibility</p:attrName>
-                                        </p:attrNameLst>
-                                      </p:cBhvr>
-                                      <p:to>
-                                        <p:strVal val="visible"/>
-                                      </p:to>
-                                    </p:set>
-                                    <p:animEffect filter="fade" transition="in">
-                                      <p:cBhvr>
-                                        <p:cTn dur="1000"/>
-                                        <p:tgtEl>
-                                          <p:spTgt spid="202">
-                                            <p:txEl>
-                                              <p:pRg end="2" st="2"/>
-                                            </p:txEl>
-                                          </p:spTgt>
-                                        </p:tgtEl>
-                                      </p:cBhvr>
-                                    </p:animEffect>
-                                  </p:childTnLst>
-                                </p:cTn>
-                              </p:par>
-                            </p:childTnLst>
-                          </p:cTn>
-                        </p:par>
-                        <p:par>
-                          <p:cTn fill="hold">
-                            <p:stCondLst>
-                              <p:cond delay="3000"/>
-                            </p:stCondLst>
-                            <p:childTnLst>
-                              <p:par>
-                                <p:cTn fill="hold" nodeType="afterEffect" presetClass="entr" presetID="10" presetSubtype="0">
-                                  <p:stCondLst>
-                                    <p:cond delay="0"/>
-                                  </p:stCondLst>
-                                  <p:childTnLst>
-                                    <p:set>
-                                      <p:cBhvr>
-                                        <p:cTn dur="1" fill="hold">
-                                          <p:stCondLst>
-                                            <p:cond delay="0"/>
-                                          </p:stCondLst>
-                                        </p:cTn>
-                                        <p:tgtEl>
-                                          <p:spTgt spid="202">
-                                            <p:txEl>
-                                              <p:pRg end="3" st="3"/>
-                                            </p:txEl>
-                                          </p:spTgt>
-                                        </p:tgtEl>
-                                        <p:attrNameLst>
-                                          <p:attrName>style.visibility</p:attrName>
-                                        </p:attrNameLst>
-                                      </p:cBhvr>
-                                      <p:to>
-                                        <p:strVal val="visible"/>
-                                      </p:to>
-                                    </p:set>
-                                    <p:animEffect filter="fade" transition="in">
-                                      <p:cBhvr>
-                                        <p:cTn dur="1000"/>
-                                        <p:tgtEl>
-                                          <p:spTgt spid="202">
-                                            <p:txEl>
-                                              <p:pRg end="3" st="3"/>
-                                            </p:txEl>
-                                          </p:spTgt>
-                                        </p:tgtEl>
-                                      </p:cBhvr>
-                                    </p:animEffect>
-                                  </p:childTnLst>
-                                </p:cTn>
-                              </p:par>
-                            </p:childTnLst>
-                          </p:cTn>
-                        </p:par>
-                        <p:par>
-                          <p:cTn fill="hold">
-                            <p:stCondLst>
-                              <p:cond delay="4000"/>
-                            </p:stCondLst>
-                            <p:childTnLst>
-                              <p:par>
-                                <p:cTn fill="hold" nodeType="afterEffect" presetClass="entr" presetID="10" presetSubtype="0">
-                                  <p:stCondLst>
-                                    <p:cond delay="0"/>
-                                  </p:stCondLst>
-                                  <p:childTnLst>
-                                    <p:set>
-                                      <p:cBhvr>
-                                        <p:cTn dur="1" fill="hold">
-                                          <p:stCondLst>
-                                            <p:cond delay="0"/>
-                                          </p:stCondLst>
-                                        </p:cTn>
-                                        <p:tgtEl>
-                                          <p:spTgt spid="202">
-                                            <p:txEl>
-                                              <p:pRg end="4" st="4"/>
-                                            </p:txEl>
-                                          </p:spTgt>
-                                        </p:tgtEl>
-                                        <p:attrNameLst>
-                                          <p:attrName>style.visibility</p:attrName>
-                                        </p:attrNameLst>
-                                      </p:cBhvr>
-                                      <p:to>
-                                        <p:strVal val="visible"/>
-                                      </p:to>
-                                    </p:set>
-                                    <p:animEffect filter="fade" transition="in">
-                                      <p:cBhvr>
-                                        <p:cTn dur="1000"/>
-                                        <p:tgtEl>
-                                          <p:spTgt spid="202">
-                                            <p:txEl>
-                                              <p:pRg end="4" st="4"/>
-                                            </p:txEl>
-                                          </p:spTgt>
-                                        </p:tgtEl>
-                                      </p:cBhvr>
-                                    </p:animEffect>
-                                  </p:childTnLst>
-                                </p:cTn>
-                              </p:par>
-                            </p:childTnLst>
-                          </p:cTn>
-                        </p:par>
-                        <p:par>
-                          <p:cTn fill="hold">
-                            <p:stCondLst>
-                              <p:cond delay="5000"/>
-                            </p:stCondLst>
-                            <p:childTnLst>
-                              <p:par>
-                                <p:cTn fill="hold" nodeType="afterEffect" presetClass="entr" presetID="10" presetSubtype="0">
-                                  <p:stCondLst>
-                                    <p:cond delay="0"/>
-                                  </p:stCondLst>
-                                  <p:childTnLst>
-                                    <p:set>
-                                      <p:cBhvr>
-                                        <p:cTn dur="1" fill="hold">
-                                          <p:stCondLst>
-                                            <p:cond delay="0"/>
-                                          </p:stCondLst>
-                                        </p:cTn>
-                                        <p:tgtEl>
-                                          <p:spTgt spid="202">
-                                            <p:txEl>
-                                              <p:pRg end="5" st="5"/>
-                                            </p:txEl>
-                                          </p:spTgt>
-                                        </p:tgtEl>
-                                        <p:attrNameLst>
-                                          <p:attrName>style.visibility</p:attrName>
-                                        </p:attrNameLst>
-                                      </p:cBhvr>
-                                      <p:to>
-                                        <p:strVal val="visible"/>
-                                      </p:to>
-                                    </p:set>
-                                    <p:animEffect filter="fade" transition="in">
-                                      <p:cBhvr>
-                                        <p:cTn dur="1000"/>
-                                        <p:tgtEl>
-                                          <p:spTgt spid="202">
-                                            <p:txEl>
-                                              <p:pRg end="5" st="5"/>
-                                            </p:txEl>
-                                          </p:spTgt>
-                                        </p:tgtEl>
-                                      </p:cBhvr>
-                                    </p:animEffect>
-                                  </p:childTnLst>
-                                </p:cTn>
-                              </p:par>
-                            </p:childTnLst>
-                          </p:cTn>
-                        </p:par>
-                      </p:childTnLst>
-                    </p:cTn>
-                  </p:par>
-                  <p:par>
-                    <p:cTn fill="hold">
-                      <p:stCondLst>
-                        <p:cond delay="indefinite"/>
-                      </p:stCondLst>
-                      <p:childTnLst>
-                        <p:par>
-                          <p:cTn fill="hold">
-                            <p:stCondLst>
-                              <p:cond delay="0"/>
-                            </p:stCondLst>
-                            <p:childTnLst>
-                              <p:par>
-                                <p:cTn fill="hold" nodeType="clickEffect" presetClass="entr" presetID="2" presetSubtype="1">
-                                  <p:stCondLst>
-                                    <p:cond delay="0"/>
-                                  </p:stCondLst>
-                                  <p:childTnLst>
-                                    <p:set>
-                                      <p:cBhvr>
-                                        <p:cTn dur="1" fill="hold">
-                                          <p:stCondLst>
-                                            <p:cond delay="0"/>
-                                          </p:stCondLst>
-                                        </p:cTn>
-                                        <p:tgtEl>
-                                          <p:spTgt spid="198"/>
-                                        </p:tgtEl>
-                                        <p:attrNameLst>
-                                          <p:attrName>style.visibility</p:attrName>
-                                        </p:attrNameLst>
-                                      </p:cBhvr>
-                                      <p:to>
-                                        <p:strVal val="visible"/>
-                                      </p:to>
-                                    </p:set>
-                                    <p:anim calcmode="lin" valueType="num">
-                                      <p:cBhvr additive="base">
-                                        <p:cTn dur="1000"/>
-                                        <p:tgtEl>
-                                          <p:spTgt spid="198"/>
-                                        </p:tgtEl>
-                                        <p:attrNameLst>
-                                          <p:attrName>ppt_y</p:attrName>
-                                        </p:attrNameLst>
-                                      </p:cBhvr>
-                                      <p:tavLst>
-                                        <p:tav fmla="" tm="0">
-                                          <p:val>
-                                            <p:strVal val="#ppt_y-1"/>
-                                          </p:val>
-                                        </p:tav>
-                                        <p:tav fmla="" tm="100000">
-                                          <p:val>
-                                            <p:strVal val="#ppt_y"/>
-                                          </p:val>
-                                        </p:tav>
-                                      </p:tavLst>
-                                    </p:anim>
-                                  </p:childTnLst>
-                                </p:cTn>
-                              </p:par>
-                            </p:childTnLst>
-                          </p:cTn>
-                        </p:par>
-                      </p:childTnLst>
-                    </p:cTn>
-                  </p:par>
-                  <p:par>
-                    <p:cTn fill="hold">
-                      <p:stCondLst>
-                        <p:cond delay="indefinite"/>
-                      </p:stCondLst>
-                      <p:childTnLst>
-                        <p:par>
-                          <p:cTn fill="hold">
-                            <p:stCondLst>
-                              <p:cond delay="0"/>
-                            </p:stCondLst>
-                            <p:childTnLst>
-                              <p:par>
-                                <p:cTn fill="hold" nodeType="clickEffect" presetClass="entr" presetID="10" presetSubtype="0">
-                                  <p:stCondLst>
-                                    <p:cond delay="0"/>
-                                  </p:stCondLst>
-                                  <p:childTnLst>
-                                    <p:set>
-                                      <p:cBhvr>
-                                        <p:cTn dur="1" fill="hold">
-                                          <p:stCondLst>
-                                            <p:cond delay="0"/>
-                                          </p:stCondLst>
-                                        </p:cTn>
-                                        <p:tgtEl>
-                                          <p:spTgt spid="200"/>
-                                        </p:tgtEl>
-                                        <p:attrNameLst>
-                                          <p:attrName>style.visibility</p:attrName>
-                                        </p:attrNameLst>
-                                      </p:cBhvr>
-                                      <p:to>
-                                        <p:strVal val="visible"/>
-                                      </p:to>
-                                    </p:set>
-                                    <p:animEffect filter="fade" transition="in">
-                                      <p:cBhvr>
-                                        <p:cTn dur="1000"/>
-                                        <p:tgtEl>
-                                          <p:spTgt spid="200"/>
-                                        </p:tgtEl>
-                                      </p:cBhvr>
-                                    </p:animEffect>
-                                  </p:childTnLst>
-                                </p:cTn>
-                              </p:par>
-                            </p:childTnLst>
-                          </p:cTn>
-                        </p:par>
-                      </p:childTnLst>
-                    </p:cTn>
-                  </p:par>
-                  <p:par>
-                    <p:cTn fill="hold">
-                      <p:stCondLst>
-                        <p:cond delay="indefinite"/>
-                      </p:stCondLst>
-                      <p:childTnLst>
-                        <p:par>
-                          <p:cTn fill="hold">
-                            <p:stCondLst>
-                              <p:cond delay="0"/>
-                            </p:stCondLst>
-                            <p:childTnLst>
-                              <p:par>
-                                <p:cTn fill="hold" nodeType="clickEffect" presetClass="entr" presetID="2" presetSubtype="1">
-                                  <p:stCondLst>
-                                    <p:cond delay="0"/>
-                                  </p:stCondLst>
-                                  <p:childTnLst>
-                                    <p:set>
-                                      <p:cBhvr>
-                                        <p:cTn dur="1" fill="hold">
-                                          <p:stCondLst>
-                                            <p:cond delay="0"/>
-                                          </p:stCondLst>
-                                        </p:cTn>
-                                        <p:tgtEl>
-                                          <p:spTgt spid="199"/>
-                                        </p:tgtEl>
-                                        <p:attrNameLst>
-                                          <p:attrName>style.visibility</p:attrName>
-                                        </p:attrNameLst>
-                                      </p:cBhvr>
-                                      <p:to>
-                                        <p:strVal val="visible"/>
-                                      </p:to>
-                                    </p:set>
-                                    <p:anim calcmode="lin" valueType="num">
-                                      <p:cBhvr additive="base">
-                                        <p:cTn dur="1000"/>
-                                        <p:tgtEl>
-                                          <p:spTgt spid="199"/>
-                                        </p:tgtEl>
-                                        <p:attrNameLst>
-                                          <p:attrName>ppt_y</p:attrName>
-                                        </p:attrNameLst>
-                                      </p:cBhvr>
-                                      <p:tavLst>
-                                        <p:tav fmla="" tm="0">
-                                          <p:val>
-                                            <p:strVal val="#ppt_y-1"/>
-                                          </p:val>
-                                        </p:tav>
-                                        <p:tav fmla="" tm="100000">
-                                          <p:val>
-                                            <p:strVal val="#ppt_y"/>
-                                          </p:val>
-                                        </p:tav>
-                                      </p:tavLst>
-                                    </p:anim>
-                                  </p:childTnLst>
-                                </p:cTn>
-                              </p:par>
-                            </p:childTnLst>
-                          </p:cTn>
-                        </p:par>
-                      </p:childTnLst>
-                    </p:cTn>
-                  </p:par>
-                </p:childTnLst>
-              </p:cTn>
-              <p:prevCondLst>
-                <p:cond evt="onPrev">
-                  <p:tgtEl>
-                    <p:sldTgt/>
-                  </p:tgtEl>
-                </p:cond>
-              </p:prevCondLst>
-              <p:nextCondLst>
-                <p:cond evt="onNext">
-                  <p:tgtEl>
-                    <p:sldTgt/>
-                  </p:tgtEl>
-                </p:cond>
-              </p:nextCondLst>
-            </p:seq>
-          </p:childTnLst>
-        </p:cTn>
-      </p:par>
-    </p:tnLst>
-  </p:timing>
 </p:sld>
 </file>
 
@@ -17121,452 +15710,10 @@
   <p:clrMapOvr>
     <a:masterClrMapping/>
   </p:clrMapOvr>
-  <p:timing>
-    <p:tnLst>
-      <p:par>
-        <p:cTn dur="indefinite" nodeType="tmRoot" restart="never">
-          <p:childTnLst>
-            <p:seq concurrent="1" nextAc="seek">
-              <p:cTn dur="indefinite" id="2" nodeType="mainSeq">
-                <p:childTnLst>
-                  <p:par>
-                    <p:cTn fill="hold">
-                      <p:stCondLst>
-                        <p:cond delay="indefinite"/>
-                      </p:stCondLst>
-                      <p:childTnLst>
-                        <p:par>
-                          <p:cTn fill="hold">
-                            <p:stCondLst>
-                              <p:cond delay="0"/>
-                            </p:stCondLst>
-                            <p:childTnLst>
-                              <p:par>
-                                <p:cTn fill="hold" nodeType="clickEffect" presetClass="entr" presetID="1" presetSubtype="0">
-                                  <p:stCondLst>
-                                    <p:cond delay="0"/>
-                                  </p:stCondLst>
-                                  <p:childTnLst>
-                                    <p:set>
-                                      <p:cBhvr>
-                                        <p:cTn dur="1" fill="hold">
-                                          <p:stCondLst>
-                                            <p:cond delay="0"/>
-                                          </p:stCondLst>
-                                        </p:cTn>
-                                        <p:tgtEl>
-                                          <p:spTgt spid="161"/>
-                                        </p:tgtEl>
-                                        <p:attrNameLst>
-                                          <p:attrName>style.visibility</p:attrName>
-                                        </p:attrNameLst>
-                                      </p:cBhvr>
-                                      <p:to>
-                                        <p:strVal val="visible"/>
-                                      </p:to>
-                                    </p:set>
-                                  </p:childTnLst>
-                                </p:cTn>
-                              </p:par>
-                              <p:par>
-                                <p:cTn fill="hold" nodeType="withEffect" presetClass="entr" presetID="10" presetSubtype="0">
-                                  <p:stCondLst>
-                                    <p:cond delay="0"/>
-                                  </p:stCondLst>
-                                  <p:childTnLst>
-                                    <p:set>
-                                      <p:cBhvr>
-                                        <p:cTn dur="1" fill="hold">
-                                          <p:stCondLst>
-                                            <p:cond delay="0"/>
-                                          </p:stCondLst>
-                                        </p:cTn>
-                                        <p:tgtEl>
-                                          <p:spTgt spid="163"/>
-                                        </p:tgtEl>
-                                        <p:attrNameLst>
-                                          <p:attrName>style.visibility</p:attrName>
-                                        </p:attrNameLst>
-                                      </p:cBhvr>
-                                      <p:to>
-                                        <p:strVal val="visible"/>
-                                      </p:to>
-                                    </p:set>
-                                    <p:animEffect filter="fade" transition="in">
-                                      <p:cBhvr>
-                                        <p:cTn dur="1000"/>
-                                        <p:tgtEl>
-                                          <p:spTgt spid="163"/>
-                                        </p:tgtEl>
-                                      </p:cBhvr>
-                                    </p:animEffect>
-                                  </p:childTnLst>
-                                </p:cTn>
-                              </p:par>
-                            </p:childTnLst>
-                          </p:cTn>
-                        </p:par>
-                      </p:childTnLst>
-                    </p:cTn>
-                  </p:par>
-                  <p:par>
-                    <p:cTn fill="hold">
-                      <p:stCondLst>
-                        <p:cond delay="indefinite"/>
-                      </p:stCondLst>
-                      <p:childTnLst>
-                        <p:par>
-                          <p:cTn fill="hold">
-                            <p:stCondLst>
-                              <p:cond delay="0"/>
-                            </p:stCondLst>
-                            <p:childTnLst>
-                              <p:par>
-                                <p:cTn fill="hold" nodeType="clickEffect" presetClass="entr" presetID="10" presetSubtype="0">
-                                  <p:stCondLst>
-                                    <p:cond delay="0"/>
-                                  </p:stCondLst>
-                                  <p:childTnLst>
-                                    <p:set>
-                                      <p:cBhvr>
-                                        <p:cTn dur="1" fill="hold">
-                                          <p:stCondLst>
-                                            <p:cond delay="0"/>
-                                          </p:stCondLst>
-                                        </p:cTn>
-                                        <p:tgtEl>
-                                          <p:spTgt spid="162"/>
-                                        </p:tgtEl>
-                                        <p:attrNameLst>
-                                          <p:attrName>style.visibility</p:attrName>
-                                        </p:attrNameLst>
-                                      </p:cBhvr>
-                                      <p:to>
-                                        <p:strVal val="visible"/>
-                                      </p:to>
-                                    </p:set>
-                                    <p:animEffect filter="fade" transition="in">
-                                      <p:cBhvr>
-                                        <p:cTn dur="1000"/>
-                                        <p:tgtEl>
-                                          <p:spTgt spid="162"/>
-                                        </p:tgtEl>
-                                      </p:cBhvr>
-                                    </p:animEffect>
-                                  </p:childTnLst>
-                                </p:cTn>
-                              </p:par>
-                            </p:childTnLst>
-                          </p:cTn>
-                        </p:par>
-                      </p:childTnLst>
-                    </p:cTn>
-                  </p:par>
-                </p:childTnLst>
-              </p:cTn>
-              <p:prevCondLst>
-                <p:cond evt="onPrev">
-                  <p:tgtEl>
-                    <p:sldTgt/>
-                  </p:tgtEl>
-                </p:cond>
-              </p:prevCondLst>
-              <p:nextCondLst>
-                <p:cond evt="onNext">
-                  <p:tgtEl>
-                    <p:sldTgt/>
-                  </p:tgtEl>
-                </p:cond>
-              </p:nextCondLst>
-            </p:seq>
-          </p:childTnLst>
-        </p:cTn>
-      </p:par>
-    </p:tnLst>
-  </p:timing>
 </p:sld>
 </file>
 
 <file path=ppt/theme/theme1.xml><?xml version="1.0" encoding="utf-8"?>
-<a:theme xmlns:a="http://schemas.openxmlformats.org/drawingml/2006/main" xmlns:r="http://schemas.openxmlformats.org/officeDocument/2006/relationships">
-  <a:themeElements>
-    <a:clrScheme name="Default">
-      <a:dk1>
-        <a:srgbClr val="000000"/>
-      </a:dk1>
-      <a:lt1>
-        <a:srgbClr val="FFFFFF"/>
-      </a:lt1>
-      <a:dk2>
-        <a:srgbClr val="158158"/>
-      </a:dk2>
-      <a:lt2>
-        <a:srgbClr val="F3F3F3"/>
-      </a:lt2>
-      <a:accent1>
-        <a:srgbClr val="058DC7"/>
-      </a:accent1>
-      <a:accent2>
-        <a:srgbClr val="50B432"/>
-      </a:accent2>
-      <a:accent3>
-        <a:srgbClr val="ED561B"/>
-      </a:accent3>
-      <a:accent4>
-        <a:srgbClr val="EDEF00"/>
-      </a:accent4>
-      <a:accent5>
-        <a:srgbClr val="24CBE5"/>
-      </a:accent5>
-      <a:accent6>
-        <a:srgbClr val="64E572"/>
-      </a:accent6>
-      <a:hlink>
-        <a:srgbClr val="2200CC"/>
-      </a:hlink>
-      <a:folHlink>
-        <a:srgbClr val="551A8B"/>
-      </a:folHlink>
-    </a:clrScheme>
-    <a:fontScheme name="Office">
-      <a:majorFont>
-        <a:latin typeface="Arial"/>
-        <a:ea typeface=""/>
-        <a:cs typeface=""/>
-        <a:font script="Jpan" typeface="ＭＳ Ｐゴシック"/>
-        <a:font script="Hang" typeface="맑은 고딕"/>
-        <a:font script="Hans" typeface="宋体"/>
-        <a:font script="Hant" typeface="新細明體"/>
-        <a:font script="Arab" typeface="Times New Roman"/>
-        <a:font script="Hebr" typeface="Times New Roman"/>
-        <a:font script="Thai" typeface="Angsana New"/>
-        <a:font script="Ethi" typeface="Nyala"/>
-        <a:font script="Beng" typeface="Vrinda"/>
-        <a:font script="Gujr" typeface="Shruti"/>
-        <a:font script="Khmr" typeface="MoolBoran"/>
-        <a:font script="Knda" typeface="Tunga"/>
-        <a:font script="Guru" typeface="Raavi"/>
-        <a:font script="Cans" typeface="Euphemia"/>
-        <a:font script="Cher" typeface="Plantagenet Cherokee"/>
-        <a:font script="Yiii" typeface="Microsoft Yi Baiti"/>
-        <a:font script="Tibt" typeface="Microsoft Himalaya"/>
-        <a:font script="Thaa" typeface="MV Boli"/>
-        <a:font script="Deva" typeface="Mangal"/>
-        <a:font script="Telu" typeface="Gautami"/>
-        <a:font script="Taml" typeface="Latha"/>
-        <a:font script="Syrc" typeface="Estrangelo Edessa"/>
-        <a:font script="Orya" typeface="Kalinga"/>
-        <a:font script="Mlym" typeface="Kartika"/>
-        <a:font script="Laoo" typeface="DokChampa"/>
-        <a:font script="Sinh" typeface="Iskoola Pota"/>
-        <a:font script="Mong" typeface="Mongolian Baiti"/>
-        <a:font script="Viet" typeface="Times New Roman"/>
-        <a:font script="Uigh" typeface="Microsoft Uighur"/>
-        <a:font script="Geor" typeface="Sylfaen"/>
-      </a:majorFont>
-      <a:minorFont>
-        <a:latin typeface="Arial"/>
-        <a:ea typeface=""/>
-        <a:cs typeface=""/>
-        <a:font script="Jpan" typeface="ＭＳ Ｐゴシック"/>
-        <a:font script="Hang" typeface="맑은 고딕"/>
-        <a:font script="Hans" typeface="宋体"/>
-        <a:font script="Hant" typeface="新細明體"/>
-        <a:font script="Arab" typeface="Arial"/>
-        <a:font script="Hebr" typeface="Arial"/>
-        <a:font script="Thai" typeface="Cordia New"/>
-        <a:font script="Ethi" typeface="Nyala"/>
-        <a:font script="Beng" typeface="Vrinda"/>
-        <a:font script="Gujr" typeface="Shruti"/>
-        <a:font script="Khmr" typeface="DaunPenh"/>
-        <a:font script="Knda" typeface="Tunga"/>
-        <a:font script="Guru" typeface="Raavi"/>
-        <a:font script="Cans" typeface="Euphemia"/>
-        <a:font script="Cher" typeface="Plantagenet Cherokee"/>
-        <a:font script="Yiii" typeface="Microsoft Yi Baiti"/>
-        <a:font script="Tibt" typeface="Microsoft Himalaya"/>
-        <a:font script="Thaa" typeface="MV Boli"/>
-        <a:font script="Deva" typeface="Mangal"/>
-        <a:font script="Telu" typeface="Gautami"/>
-        <a:font script="Taml" typeface="Latha"/>
-        <a:font script="Syrc" typeface="Estrangelo Edessa"/>
-        <a:font script="Orya" typeface="Kalinga"/>
-        <a:font script="Mlym" typeface="Kartika"/>
-        <a:font script="Laoo" typeface="DokChampa"/>
-        <a:font script="Sinh" typeface="Iskoola Pota"/>
-        <a:font script="Mong" typeface="Mongolian Baiti"/>
-        <a:font script="Viet" typeface="Arial"/>
-        <a:font script="Uigh" typeface="Microsoft Uighur"/>
-        <a:font script="Geor" typeface="Sylfaen"/>
-      </a:minorFont>
-    </a:fontScheme>
-    <a:fmtScheme name="Office">
-      <a:fillStyleLst>
-        <a:solidFill>
-          <a:schemeClr val="phClr"/>
-        </a:solidFill>
-        <a:gradFill rotWithShape="1">
-          <a:gsLst>
-            <a:gs pos="0">
-              <a:schemeClr val="phClr">
-                <a:tint val="50000"/>
-                <a:satMod val="300000"/>
-              </a:schemeClr>
-            </a:gs>
-            <a:gs pos="35000">
-              <a:schemeClr val="phClr">
-                <a:tint val="37000"/>
-                <a:satMod val="300000"/>
-              </a:schemeClr>
-            </a:gs>
-            <a:gs pos="100000">
-              <a:schemeClr val="phClr">
-                <a:tint val="15000"/>
-                <a:satMod val="350000"/>
-              </a:schemeClr>
-            </a:gs>
-          </a:gsLst>
-          <a:lin ang="16200000" scaled="1"/>
-        </a:gradFill>
-        <a:gradFill rotWithShape="1">
-          <a:gsLst>
-            <a:gs pos="0">
-              <a:schemeClr val="phClr">
-                <a:tint val="100000"/>
-                <a:shade val="100000"/>
-                <a:satMod val="130000"/>
-              </a:schemeClr>
-            </a:gs>
-            <a:gs pos="100000">
-              <a:schemeClr val="phClr">
-                <a:tint val="50000"/>
-                <a:shade val="100000"/>
-                <a:satMod val="350000"/>
-              </a:schemeClr>
-            </a:gs>
-          </a:gsLst>
-          <a:lin ang="16200000" scaled="0"/>
-        </a:gradFill>
-      </a:fillStyleLst>
-      <a:lnStyleLst>
-        <a:ln w="9525" cap="flat" cmpd="sng" algn="ctr">
-          <a:solidFill>
-            <a:schemeClr val="phClr">
-              <a:shade val="95000"/>
-              <a:satMod val="105000"/>
-            </a:schemeClr>
-          </a:solidFill>
-          <a:prstDash val="solid"/>
-        </a:ln>
-        <a:ln w="25400" cap="flat" cmpd="sng" algn="ctr">
-          <a:solidFill>
-            <a:schemeClr val="phClr"/>
-          </a:solidFill>
-          <a:prstDash val="solid"/>
-        </a:ln>
-        <a:ln w="38100" cap="flat" cmpd="sng" algn="ctr">
-          <a:solidFill>
-            <a:schemeClr val="phClr"/>
-          </a:solidFill>
-          <a:prstDash val="solid"/>
-        </a:ln>
-      </a:lnStyleLst>
-      <a:effectStyleLst>
-        <a:effectStyle>
-          <a:effectLst>
-            <a:outerShdw blurRad="40000" dist="20000" dir="5400000" rotWithShape="0">
-              <a:srgbClr val="000000">
-                <a:alpha val="38000"/>
-              </a:srgbClr>
-            </a:outerShdw>
-          </a:effectLst>
-        </a:effectStyle>
-        <a:effectStyle>
-          <a:effectLst>
-            <a:outerShdw blurRad="40000" dist="23000" dir="5400000" rotWithShape="0">
-              <a:srgbClr val="000000">
-                <a:alpha val="35000"/>
-              </a:srgbClr>
-            </a:outerShdw>
-          </a:effectLst>
-        </a:effectStyle>
-        <a:effectStyle>
-          <a:effectLst>
-            <a:outerShdw blurRad="40000" dist="23000" dir="5400000" rotWithShape="0">
-              <a:srgbClr val="000000">
-                <a:alpha val="35000"/>
-              </a:srgbClr>
-            </a:outerShdw>
-          </a:effectLst>
-          <a:scene3d>
-            <a:camera prst="orthographicFront">
-              <a:rot lat="0" lon="0" rev="0"/>
-            </a:camera>
-            <a:lightRig rig="threePt" dir="t">
-              <a:rot lat="0" lon="0" rev="1200000"/>
-            </a:lightRig>
-          </a:scene3d>
-          <a:sp3d>
-            <a:bevelT w="63500" h="25400"/>
-          </a:sp3d>
-        </a:effectStyle>
-      </a:effectStyleLst>
-      <a:bgFillStyleLst>
-        <a:solidFill>
-          <a:schemeClr val="phClr"/>
-        </a:solidFill>
-        <a:gradFill rotWithShape="1">
-          <a:gsLst>
-            <a:gs pos="0">
-              <a:schemeClr val="phClr">
-                <a:tint val="40000"/>
-                <a:satMod val="350000"/>
-              </a:schemeClr>
-            </a:gs>
-            <a:gs pos="40000">
-              <a:schemeClr val="phClr">
-                <a:tint val="45000"/>
-                <a:shade val="99000"/>
-                <a:satMod val="350000"/>
-              </a:schemeClr>
-            </a:gs>
-            <a:gs pos="100000">
-              <a:schemeClr val="phClr">
-                <a:shade val="20000"/>
-                <a:satMod val="255000"/>
-              </a:schemeClr>
-            </a:gs>
-          </a:gsLst>
-          <a:path path="circle">
-            <a:fillToRect l="50000" t="-80000" r="50000" b="180000"/>
-          </a:path>
-        </a:gradFill>
-        <a:gradFill rotWithShape="1">
-          <a:gsLst>
-            <a:gs pos="0">
-              <a:schemeClr val="phClr">
-                <a:tint val="80000"/>
-                <a:satMod val="300000"/>
-              </a:schemeClr>
-            </a:gs>
-            <a:gs pos="100000">
-              <a:schemeClr val="phClr">
-                <a:shade val="30000"/>
-                <a:satMod val="200000"/>
-              </a:schemeClr>
-            </a:gs>
-          </a:gsLst>
-          <a:path path="circle">
-            <a:fillToRect l="50000" t="50000" r="50000" b="50000"/>
-          </a:path>
-        </a:gradFill>
-      </a:bgFillStyleLst>
-    </a:fmtScheme>
-  </a:themeElements>
-</a:theme>
-</file>
-
-<file path=ppt/theme/theme2.xml><?xml version="1.0" encoding="utf-8"?>
 <a:theme xmlns:a="http://schemas.openxmlformats.org/drawingml/2006/main" xmlns:r="http://schemas.openxmlformats.org/officeDocument/2006/relationships" name="Simple Light">
   <a:themeElements>
     <a:clrScheme name="Simple Light">
@@ -17845,7 +15992,7 @@
 </a:theme>
 </file>
 
-<file path=ppt/theme/theme3.xml><?xml version="1.0" encoding="utf-8"?>
+<file path=ppt/theme/theme2.xml><?xml version="1.0" encoding="utf-8"?>
 <a:theme xmlns:a="http://schemas.openxmlformats.org/drawingml/2006/main" xmlns:r="http://schemas.openxmlformats.org/officeDocument/2006/relationships" name="Simple Dark">
   <a:themeElements>
     <a:clrScheme name="Simple Dark">
@@ -18122,4 +16269,283 @@
     </a:fmtScheme>
   </a:themeElements>
 </a:theme>
+</file>
+
+<file path=ppt/theme/theme3.xml><?xml version="1.0" encoding="utf-8"?>
+<a:theme xmlns:a="http://schemas.openxmlformats.org/drawingml/2006/main" xmlns:r="http://schemas.openxmlformats.org/officeDocument/2006/relationships">
+  <a:themeElements>
+    <a:clrScheme name="Default">
+      <a:dk1>
+        <a:srgbClr val="000000"/>
+      </a:dk1>
+      <a:lt1>
+        <a:srgbClr val="FFFFFF"/>
+      </a:lt1>
+      <a:dk2>
+        <a:srgbClr val="158158"/>
+      </a:dk2>
+      <a:lt2>
+        <a:srgbClr val="F3F3F3"/>
+      </a:lt2>
+      <a:accent1>
+        <a:srgbClr val="058DC7"/>
+      </a:accent1>
+      <a:accent2>
+        <a:srgbClr val="50B432"/>
+      </a:accent2>
+      <a:accent3>
+        <a:srgbClr val="ED561B"/>
+      </a:accent3>
+      <a:accent4>
+        <a:srgbClr val="EDEF00"/>
+      </a:accent4>
+      <a:accent5>
+        <a:srgbClr val="24CBE5"/>
+      </a:accent5>
+      <a:accent6>
+        <a:srgbClr val="64E572"/>
+      </a:accent6>
+      <a:hlink>
+        <a:srgbClr val="2200CC"/>
+      </a:hlink>
+      <a:folHlink>
+        <a:srgbClr val="551A8B"/>
+      </a:folHlink>
+    </a:clrScheme>
+    <a:fontScheme name="Office">
+      <a:majorFont>
+        <a:latin typeface="Arial"/>
+        <a:ea typeface=""/>
+        <a:cs typeface=""/>
+        <a:font script="Jpan" typeface="ＭＳ Ｐゴシック"/>
+        <a:font script="Hang" typeface="맑은 고딕"/>
+        <a:font script="Hans" typeface="宋体"/>
+        <a:font script="Hant" typeface="新細明體"/>
+        <a:font script="Arab" typeface="Times New Roman"/>
+        <a:font script="Hebr" typeface="Times New Roman"/>
+        <a:font script="Thai" typeface="Angsana New"/>
+        <a:font script="Ethi" typeface="Nyala"/>
+        <a:font script="Beng" typeface="Vrinda"/>
+        <a:font script="Gujr" typeface="Shruti"/>
+        <a:font script="Khmr" typeface="MoolBoran"/>
+        <a:font script="Knda" typeface="Tunga"/>
+        <a:font script="Guru" typeface="Raavi"/>
+        <a:font script="Cans" typeface="Euphemia"/>
+        <a:font script="Cher" typeface="Plantagenet Cherokee"/>
+        <a:font script="Yiii" typeface="Microsoft Yi Baiti"/>
+        <a:font script="Tibt" typeface="Microsoft Himalaya"/>
+        <a:font script="Thaa" typeface="MV Boli"/>
+        <a:font script="Deva" typeface="Mangal"/>
+        <a:font script="Telu" typeface="Gautami"/>
+        <a:font script="Taml" typeface="Latha"/>
+        <a:font script="Syrc" typeface="Estrangelo Edessa"/>
+        <a:font script="Orya" typeface="Kalinga"/>
+        <a:font script="Mlym" typeface="Kartika"/>
+        <a:font script="Laoo" typeface="DokChampa"/>
+        <a:font script="Sinh" typeface="Iskoola Pota"/>
+        <a:font script="Mong" typeface="Mongolian Baiti"/>
+        <a:font script="Viet" typeface="Times New Roman"/>
+        <a:font script="Uigh" typeface="Microsoft Uighur"/>
+        <a:font script="Geor" typeface="Sylfaen"/>
+      </a:majorFont>
+      <a:minorFont>
+        <a:latin typeface="Arial"/>
+        <a:ea typeface=""/>
+        <a:cs typeface=""/>
+        <a:font script="Jpan" typeface="ＭＳ Ｐゴシック"/>
+        <a:font script="Hang" typeface="맑은 고딕"/>
+        <a:font script="Hans" typeface="宋体"/>
+        <a:font script="Hant" typeface="新細明體"/>
+        <a:font script="Arab" typeface="Arial"/>
+        <a:font script="Hebr" typeface="Arial"/>
+        <a:font script="Thai" typeface="Cordia New"/>
+        <a:font script="Ethi" typeface="Nyala"/>
+        <a:font script="Beng" typeface="Vrinda"/>
+        <a:font script="Gujr" typeface="Shruti"/>
+        <a:font script="Khmr" typeface="DaunPenh"/>
+        <a:font script="Knda" typeface="Tunga"/>
+        <a:font script="Guru" typeface="Raavi"/>
+        <a:font script="Cans" typeface="Euphemia"/>
+        <a:font script="Cher" typeface="Plantagenet Cherokee"/>
+        <a:font script="Yiii" typeface="Microsoft Yi Baiti"/>
+        <a:font script="Tibt" typeface="Microsoft Himalaya"/>
+        <a:font script="Thaa" typeface="MV Boli"/>
+        <a:font script="Deva" typeface="Mangal"/>
+        <a:font script="Telu" typeface="Gautami"/>
+        <a:font script="Taml" typeface="Latha"/>
+        <a:font script="Syrc" typeface="Estrangelo Edessa"/>
+        <a:font script="Orya" typeface="Kalinga"/>
+        <a:font script="Mlym" typeface="Kartika"/>
+        <a:font script="Laoo" typeface="DokChampa"/>
+        <a:font script="Sinh" typeface="Iskoola Pota"/>
+        <a:font script="Mong" typeface="Mongolian Baiti"/>
+        <a:font script="Viet" typeface="Arial"/>
+        <a:font script="Uigh" typeface="Microsoft Uighur"/>
+        <a:font script="Geor" typeface="Sylfaen"/>
+      </a:minorFont>
+    </a:fontScheme>
+    <a:fmtScheme name="Office">
+      <a:fillStyleLst>
+        <a:solidFill>
+          <a:schemeClr val="phClr"/>
+        </a:solidFill>
+        <a:gradFill rotWithShape="1">
+          <a:gsLst>
+            <a:gs pos="0">
+              <a:schemeClr val="phClr">
+                <a:tint val="50000"/>
+                <a:satMod val="300000"/>
+              </a:schemeClr>
+            </a:gs>
+            <a:gs pos="35000">
+              <a:schemeClr val="phClr">
+                <a:tint val="37000"/>
+                <a:satMod val="300000"/>
+              </a:schemeClr>
+            </a:gs>
+            <a:gs pos="100000">
+              <a:schemeClr val="phClr">
+                <a:tint val="15000"/>
+                <a:satMod val="350000"/>
+              </a:schemeClr>
+            </a:gs>
+          </a:gsLst>
+          <a:lin ang="16200000" scaled="1"/>
+        </a:gradFill>
+        <a:gradFill rotWithShape="1">
+          <a:gsLst>
+            <a:gs pos="0">
+              <a:schemeClr val="phClr">
+                <a:tint val="100000"/>
+                <a:shade val="100000"/>
+                <a:satMod val="130000"/>
+              </a:schemeClr>
+            </a:gs>
+            <a:gs pos="100000">
+              <a:schemeClr val="phClr">
+                <a:tint val="50000"/>
+                <a:shade val="100000"/>
+                <a:satMod val="350000"/>
+              </a:schemeClr>
+            </a:gs>
+          </a:gsLst>
+          <a:lin ang="16200000" scaled="0"/>
+        </a:gradFill>
+      </a:fillStyleLst>
+      <a:lnStyleLst>
+        <a:ln w="9525" cap="flat" cmpd="sng" algn="ctr">
+          <a:solidFill>
+            <a:schemeClr val="phClr">
+              <a:shade val="95000"/>
+              <a:satMod val="105000"/>
+            </a:schemeClr>
+          </a:solidFill>
+          <a:prstDash val="solid"/>
+        </a:ln>
+        <a:ln w="25400" cap="flat" cmpd="sng" algn="ctr">
+          <a:solidFill>
+            <a:schemeClr val="phClr"/>
+          </a:solidFill>
+          <a:prstDash val="solid"/>
+        </a:ln>
+        <a:ln w="38100" cap="flat" cmpd="sng" algn="ctr">
+          <a:solidFill>
+            <a:schemeClr val="phClr"/>
+          </a:solidFill>
+          <a:prstDash val="solid"/>
+        </a:ln>
+      </a:lnStyleLst>
+      <a:effectStyleLst>
+        <a:effectStyle>
+          <a:effectLst>
+            <a:outerShdw blurRad="40000" dist="20000" dir="5400000" rotWithShape="0">
+              <a:srgbClr val="000000">
+                <a:alpha val="38000"/>
+              </a:srgbClr>
+            </a:outerShdw>
+          </a:effectLst>
+        </a:effectStyle>
+        <a:effectStyle>
+          <a:effectLst>
+            <a:outerShdw blurRad="40000" dist="23000" dir="5400000" rotWithShape="0">
+              <a:srgbClr val="000000">
+                <a:alpha val="35000"/>
+              </a:srgbClr>
+            </a:outerShdw>
+          </a:effectLst>
+        </a:effectStyle>
+        <a:effectStyle>
+          <a:effectLst>
+            <a:outerShdw blurRad="40000" dist="23000" dir="5400000" rotWithShape="0">
+              <a:srgbClr val="000000">
+                <a:alpha val="35000"/>
+              </a:srgbClr>
+            </a:outerShdw>
+          </a:effectLst>
+          <a:scene3d>
+            <a:camera prst="orthographicFront">
+              <a:rot lat="0" lon="0" rev="0"/>
+            </a:camera>
+            <a:lightRig rig="threePt" dir="t">
+              <a:rot lat="0" lon="0" rev="1200000"/>
+            </a:lightRig>
+          </a:scene3d>
+          <a:sp3d>
+            <a:bevelT w="63500" h="25400"/>
+          </a:sp3d>
+        </a:effectStyle>
+      </a:effectStyleLst>
+      <a:bgFillStyleLst>
+        <a:solidFill>
+          <a:schemeClr val="phClr"/>
+        </a:solidFill>
+        <a:gradFill rotWithShape="1">
+          <a:gsLst>
+            <a:gs pos="0">
+              <a:schemeClr val="phClr">
+                <a:tint val="40000"/>
+                <a:satMod val="350000"/>
+              </a:schemeClr>
+            </a:gs>
+            <a:gs pos="40000">
+              <a:schemeClr val="phClr">
+                <a:tint val="45000"/>
+                <a:shade val="99000"/>
+                <a:satMod val="350000"/>
+              </a:schemeClr>
+            </a:gs>
+            <a:gs pos="100000">
+              <a:schemeClr val="phClr">
+                <a:shade val="20000"/>
+                <a:satMod val="255000"/>
+              </a:schemeClr>
+            </a:gs>
+          </a:gsLst>
+          <a:path path="circle">
+            <a:fillToRect l="50000" t="-80000" r="50000" b="180000"/>
+          </a:path>
+        </a:gradFill>
+        <a:gradFill rotWithShape="1">
+          <a:gsLst>
+            <a:gs pos="0">
+              <a:schemeClr val="phClr">
+                <a:tint val="80000"/>
+                <a:satMod val="300000"/>
+              </a:schemeClr>
+            </a:gs>
+            <a:gs pos="100000">
+              <a:schemeClr val="phClr">
+                <a:shade val="30000"/>
+                <a:satMod val="200000"/>
+              </a:schemeClr>
+            </a:gs>
+          </a:gsLst>
+          <a:path path="circle">
+            <a:fillToRect l="50000" t="50000" r="50000" b="50000"/>
+          </a:path>
+        </a:gradFill>
+      </a:bgFillStyleLst>
+    </a:fmtScheme>
+  </a:themeElements>
+</a:theme>
 </file>
--- a/Car_Insurance_Presentation.pptx
+++ b/Car_Insurance_Presentation.pptx
@@ -22,21 +22,22 @@
     <p:sldId id="266" r:id="rId17"/>
     <p:sldId id="267" r:id="rId18"/>
     <p:sldId id="268" r:id="rId19"/>
+    <p:sldId id="269" r:id="rId20"/>
   </p:sldIdLst>
   <p:sldSz cy="5143500" cx="9144000"/>
   <p:notesSz cx="6858000" cy="9144000"/>
   <p:embeddedFontLst>
     <p:embeddedFont>
       <p:font typeface="Raleway"/>
-      <p:regular r:id="rId20"/>
-      <p:bold r:id="rId21"/>
-      <p:italic r:id="rId22"/>
-      <p:boldItalic r:id="rId23"/>
+      <p:regular r:id="rId21"/>
+      <p:bold r:id="rId22"/>
+      <p:italic r:id="rId23"/>
+      <p:boldItalic r:id="rId24"/>
     </p:embeddedFont>
     <p:embeddedFont>
       <p:font typeface="Lexend"/>
-      <p:regular r:id="rId24"/>
-      <p:bold r:id="rId25"/>
+      <p:regular r:id="rId25"/>
+      <p:bold r:id="rId26"/>
     </p:embeddedFont>
   </p:embeddedFontLst>
   <p:defaultTextStyle>
@@ -817,7 +818,7 @@
   <p:cSld>
     <p:spTree>
       <p:nvGrpSpPr>
-        <p:cNvPr id="164" name="Shape 164"/>
+        <p:cNvPr id="162" name="Shape 162"/>
         <p:cNvGrpSpPr/>
         <p:nvPr/>
       </p:nvGrpSpPr>
@@ -831,7 +832,7 @@
       </p:grpSpPr>
       <p:sp>
         <p:nvSpPr>
-          <p:cNvPr id="165" name="Google Shape;165;g2e6b6a2197d_0_508:notes"/>
+          <p:cNvPr id="163" name="Google Shape;163;g2e6b6a2197d_0_456:notes"/>
           <p:cNvSpPr/>
           <p:nvPr>
             <p:ph idx="2" type="sldImg"/>
@@ -866,7 +867,7 @@
       </p:sp>
       <p:sp>
         <p:nvSpPr>
-          <p:cNvPr id="166" name="Google Shape;166;g2e6b6a2197d_0_508:notes"/>
+          <p:cNvPr id="164" name="Google Shape;164;g2e6b6a2197d_0_456:notes"/>
           <p:cNvSpPr txBox="1"/>
           <p:nvPr>
             <p:ph idx="1" type="body"/>
@@ -916,7 +917,7 @@
   <p:cSld>
     <p:spTree>
       <p:nvGrpSpPr>
-        <p:cNvPr id="175" name="Shape 175"/>
+        <p:cNvPr id="170" name="Shape 170"/>
         <p:cNvGrpSpPr/>
         <p:nvPr/>
       </p:nvGrpSpPr>
@@ -930,7 +931,7 @@
       </p:grpSpPr>
       <p:sp>
         <p:nvSpPr>
-          <p:cNvPr id="176" name="Google Shape;176;g2e6b6a2197d_0_329:notes"/>
+          <p:cNvPr id="171" name="Google Shape;171;g2e6b6a2197d_0_508:notes"/>
           <p:cNvSpPr/>
           <p:nvPr>
             <p:ph idx="2" type="sldImg"/>
@@ -965,7 +966,7 @@
       </p:sp>
       <p:sp>
         <p:nvSpPr>
-          <p:cNvPr id="177" name="Google Shape;177;g2e6b6a2197d_0_329:notes"/>
+          <p:cNvPr id="172" name="Google Shape;172;g2e6b6a2197d_0_508:notes"/>
           <p:cNvSpPr txBox="1"/>
           <p:nvPr>
             <p:ph idx="1" type="body"/>
@@ -1015,7 +1016,7 @@
   <p:cSld>
     <p:spTree>
       <p:nvGrpSpPr>
-        <p:cNvPr id="187" name="Shape 187"/>
+        <p:cNvPr id="181" name="Shape 181"/>
         <p:cNvGrpSpPr/>
         <p:nvPr/>
       </p:nvGrpSpPr>
@@ -1029,7 +1030,7 @@
       </p:grpSpPr>
       <p:sp>
         <p:nvSpPr>
-          <p:cNvPr id="188" name="Google Shape;188;g2e6b6a2197d_0_385:notes"/>
+          <p:cNvPr id="182" name="Google Shape;182;g2e6b6a2197d_0_329:notes"/>
           <p:cNvSpPr/>
           <p:nvPr>
             <p:ph idx="2" type="sldImg"/>
@@ -1064,7 +1065,7 @@
       </p:sp>
       <p:sp>
         <p:nvSpPr>
-          <p:cNvPr id="189" name="Google Shape;189;g2e6b6a2197d_0_385:notes"/>
+          <p:cNvPr id="183" name="Google Shape;183;g2e6b6a2197d_0_329:notes"/>
           <p:cNvSpPr txBox="1"/>
           <p:nvPr>
             <p:ph idx="1" type="body"/>
@@ -1114,7 +1115,7 @@
   <p:cSld>
     <p:spTree>
       <p:nvGrpSpPr>
-        <p:cNvPr id="203" name="Shape 203"/>
+        <p:cNvPr id="193" name="Shape 193"/>
         <p:cNvGrpSpPr/>
         <p:nvPr/>
       </p:nvGrpSpPr>
@@ -1128,7 +1129,7 @@
       </p:grpSpPr>
       <p:sp>
         <p:nvSpPr>
-          <p:cNvPr id="204" name="Google Shape;204;g2e6b6a2197d_0_451:notes"/>
+          <p:cNvPr id="194" name="Google Shape;194;g2e6b6a2197d_0_385:notes"/>
           <p:cNvSpPr/>
           <p:nvPr>
             <p:ph idx="2" type="sldImg"/>
@@ -1163,7 +1164,106 @@
       </p:sp>
       <p:sp>
         <p:nvSpPr>
-          <p:cNvPr id="205" name="Google Shape;205;g2e6b6a2197d_0_451:notes"/>
+          <p:cNvPr id="195" name="Google Shape;195;g2e6b6a2197d_0_385:notes"/>
+          <p:cNvSpPr txBox="1"/>
+          <p:nvPr>
+            <p:ph idx="1" type="body"/>
+          </p:nvPr>
+        </p:nvSpPr>
+        <p:spPr>
+          <a:xfrm>
+            <a:off x="685800" y="4343400"/>
+            <a:ext cx="5486400" cy="4114800"/>
+          </a:xfrm>
+          <a:prstGeom prst="rect">
+            <a:avLst/>
+          </a:prstGeom>
+        </p:spPr>
+        <p:txBody>
+          <a:bodyPr anchorCtr="0" anchor="t" bIns="91425" lIns="91425" spcFirstLastPara="1" rIns="91425" wrap="square" tIns="91425">
+            <a:noAutofit/>
+          </a:bodyPr>
+          <a:lstStyle/>
+          <a:p>
+            <a:pPr indent="0" lvl="0" marL="0" rtl="0" algn="l">
+              <a:spcBef>
+                <a:spcPts val="0"/>
+              </a:spcBef>
+              <a:spcAft>
+                <a:spcPts val="0"/>
+              </a:spcAft>
+              <a:buNone/>
+            </a:pPr>
+            <a:r>
+              <a:t/>
+            </a:r>
+            <a:endParaRPr/>
+          </a:p>
+        </p:txBody>
+      </p:sp>
+    </p:spTree>
+  </p:cSld>
+  <p:clrMapOvr>
+    <a:masterClrMapping/>
+  </p:clrMapOvr>
+</p:notes>
+</file>
+
+<file path=ppt/notesSlides/notesSlide14.xml><?xml version="1.0" encoding="utf-8"?>
+<p:notes xmlns:a="http://schemas.openxmlformats.org/drawingml/2006/main" xmlns:r="http://schemas.openxmlformats.org/officeDocument/2006/relationships" xmlns:mc="http://schemas.openxmlformats.org/markup-compatibility/2006" xmlns:mv="urn:schemas-microsoft-com:mac:vml" xmlns:p="http://schemas.openxmlformats.org/presentationml/2006/main" xmlns:c="http://schemas.openxmlformats.org/drawingml/2006/chart" xmlns:dgm="http://schemas.openxmlformats.org/drawingml/2006/diagram" xmlns:o="urn:schemas-microsoft-com:office:office" xmlns:v="urn:schemas-microsoft-com:vml" xmlns:pvml="urn:schemas-microsoft-com:office:powerpoint" xmlns:com="http://schemas.openxmlformats.org/drawingml/2006/compatibility" xmlns:p14="http://schemas.microsoft.com/office/powerpoint/2010/main" xmlns:p15="http://schemas.microsoft.com/office/powerpoint/2012/main" xmlns:ahyp="http://schemas.microsoft.com/office/drawing/2018/hyperlinkcolor" showMasterPhAnim="0" showMasterSp="0">
+  <p:cSld>
+    <p:spTree>
+      <p:nvGrpSpPr>
+        <p:cNvPr id="209" name="Shape 209"/>
+        <p:cNvGrpSpPr/>
+        <p:nvPr/>
+      </p:nvGrpSpPr>
+      <p:grpSpPr>
+        <a:xfrm>
+          <a:off x="0" y="0"/>
+          <a:ext cx="0" cy="0"/>
+          <a:chOff x="0" y="0"/>
+          <a:chExt cx="0" cy="0"/>
+        </a:xfrm>
+      </p:grpSpPr>
+      <p:sp>
+        <p:nvSpPr>
+          <p:cNvPr id="210" name="Google Shape;210;g2e6b6a2197d_0_451:notes"/>
+          <p:cNvSpPr/>
+          <p:nvPr>
+            <p:ph idx="2" type="sldImg"/>
+          </p:nvPr>
+        </p:nvSpPr>
+        <p:spPr>
+          <a:xfrm>
+            <a:off x="381300" y="685800"/>
+            <a:ext cx="6096000" cy="3429000"/>
+          </a:xfrm>
+          <a:custGeom>
+            <a:rect b="b" l="l" r="r" t="t"/>
+            <a:pathLst>
+              <a:path extrusionOk="0" h="120000" w="120000">
+                <a:moveTo>
+                  <a:pt x="0" y="0"/>
+                </a:moveTo>
+                <a:lnTo>
+                  <a:pt x="120000" y="0"/>
+                </a:lnTo>
+                <a:lnTo>
+                  <a:pt x="120000" y="120000"/>
+                </a:lnTo>
+                <a:lnTo>
+                  <a:pt x="0" y="120000"/>
+                </a:lnTo>
+                <a:close/>
+              </a:path>
+            </a:pathLst>
+          </a:custGeom>
+        </p:spPr>
+      </p:sp>
+      <p:sp>
+        <p:nvSpPr>
+          <p:cNvPr id="211" name="Google Shape;211;g2e6b6a2197d_0_451:notes"/>
           <p:cNvSpPr txBox="1"/>
           <p:nvPr>
             <p:ph idx="1" type="body"/>
@@ -1425,7 +1525,7 @@
       </p:grpSpPr>
       <p:sp>
         <p:nvSpPr>
-          <p:cNvPr id="115" name="Google Shape;115;g2e6b6a2197d_0_216:notes"/>
+          <p:cNvPr id="115" name="Google Shape;115;g2e6fb416a2b_0_0:notes"/>
           <p:cNvSpPr/>
           <p:nvPr>
             <p:ph idx="2" type="sldImg"/>
@@ -1460,7 +1560,7 @@
       </p:sp>
       <p:sp>
         <p:nvSpPr>
-          <p:cNvPr id="116" name="Google Shape;116;g2e6b6a2197d_0_216:notes"/>
+          <p:cNvPr id="116" name="Google Shape;116;g2e6fb416a2b_0_0:notes"/>
           <p:cNvSpPr txBox="1"/>
           <p:nvPr>
             <p:ph idx="1" type="body"/>
@@ -1491,91 +1591,9 @@
               <a:buNone/>
             </a:pPr>
             <a:r>
-              <a:rPr lang="en">
-                <a:solidFill>
-                  <a:schemeClr val="dk1"/>
-                </a:solidFill>
-                <a:latin typeface="Times New Roman"/>
-                <a:ea typeface="Times New Roman"/>
-                <a:cs typeface="Times New Roman"/>
-                <a:sym typeface="Times New Roman"/>
-              </a:rPr>
-              <a:t>These two graphs compares the total claim amount and the monthly premium rate between different vehicle class/types. From our analyzed data, it’s shown that:</a:t>
-            </a:r>
-            <a:endParaRPr>
-              <a:solidFill>
-                <a:schemeClr val="dk1"/>
-              </a:solidFill>
-              <a:latin typeface="Times New Roman"/>
-              <a:ea typeface="Times New Roman"/>
-              <a:cs typeface="Times New Roman"/>
-              <a:sym typeface="Times New Roman"/>
-            </a:endParaRPr>
-          </a:p>
-          <a:p>
-            <a:pPr indent="-317500" lvl="0" marL="457200" rtl="0" algn="l">
-              <a:spcBef>
-                <a:spcPts val="0"/>
-              </a:spcBef>
-              <a:spcAft>
-                <a:spcPts val="0"/>
-              </a:spcAft>
-              <a:buClr>
-                <a:schemeClr val="dk1"/>
-              </a:buClr>
-              <a:buSzPts val="1400"/>
-              <a:buFont typeface="Times New Roman"/>
-              <a:buChar char="●"/>
-            </a:pPr>
-            <a:r>
-              <a:rPr lang="en">
-                <a:solidFill>
-                  <a:schemeClr val="dk1"/>
-                </a:solidFill>
-                <a:latin typeface="Times New Roman"/>
-                <a:ea typeface="Times New Roman"/>
-                <a:cs typeface="Times New Roman"/>
-                <a:sym typeface="Times New Roman"/>
-              </a:rPr>
-              <a:t>Luxury car and SUV have the highest monthly premium rate: could be due to higher repair cost which could be supported by it having the highest total claim amount compare to other vehicle class </a:t>
-            </a:r>
-            <a:endParaRPr>
-              <a:solidFill>
-                <a:schemeClr val="dk1"/>
-              </a:solidFill>
-              <a:latin typeface="Times New Roman"/>
-              <a:ea typeface="Times New Roman"/>
-              <a:cs typeface="Times New Roman"/>
-              <a:sym typeface="Times New Roman"/>
-            </a:endParaRPr>
-          </a:p>
-          <a:p>
-            <a:pPr indent="-317500" lvl="0" marL="457200" rtl="0" algn="l">
-              <a:spcBef>
-                <a:spcPts val="0"/>
-              </a:spcBef>
-              <a:spcAft>
-                <a:spcPts val="0"/>
-              </a:spcAft>
-              <a:buClr>
-                <a:schemeClr val="dk1"/>
-              </a:buClr>
-              <a:buSzPts val="1400"/>
-              <a:buFont typeface="Times New Roman"/>
-              <a:buChar char="●"/>
-            </a:pPr>
-            <a:r>
               <a:t/>
             </a:r>
-            <a:endParaRPr>
-              <a:solidFill>
-                <a:schemeClr val="dk1"/>
-              </a:solidFill>
-              <a:latin typeface="Times New Roman"/>
-              <a:ea typeface="Times New Roman"/>
-              <a:cs typeface="Times New Roman"/>
-              <a:sym typeface="Times New Roman"/>
-            </a:endParaRPr>
+            <a:endParaRPr/>
           </a:p>
         </p:txBody>
       </p:sp>
@@ -1592,7 +1610,7 @@
   <p:cSld>
     <p:spTree>
       <p:nvGrpSpPr>
-        <p:cNvPr id="122" name="Shape 122"/>
+        <p:cNvPr id="120" name="Shape 120"/>
         <p:cNvGrpSpPr/>
         <p:nvPr/>
       </p:nvGrpSpPr>
@@ -1606,7 +1624,7 @@
       </p:grpSpPr>
       <p:sp>
         <p:nvSpPr>
-          <p:cNvPr id="123" name="Google Shape;123;g2e6b6a2197d_0_166:notes"/>
+          <p:cNvPr id="121" name="Google Shape;121;g2e6b6a2197d_0_216:notes"/>
           <p:cNvSpPr/>
           <p:nvPr>
             <p:ph idx="2" type="sldImg"/>
@@ -1641,7 +1659,7 @@
       </p:sp>
       <p:sp>
         <p:nvSpPr>
-          <p:cNvPr id="124" name="Google Shape;124;g2e6b6a2197d_0_166:notes"/>
+          <p:cNvPr id="122" name="Google Shape;122;g2e6b6a2197d_0_216:notes"/>
           <p:cNvSpPr txBox="1"/>
           <p:nvPr>
             <p:ph idx="1" type="body"/>
@@ -1663,82 +1681,87 @@
           <a:lstStyle/>
           <a:p>
             <a:pPr indent="0" lvl="0" marL="0" rtl="0" algn="l">
-              <a:lnSpc>
-                <a:spcPct val="115000"/>
-              </a:lnSpc>
-              <a:spcBef>
-                <a:spcPts val="1200"/>
-              </a:spcBef>
-              <a:spcAft>
-                <a:spcPts val="0"/>
-              </a:spcAft>
-              <a:buNone/>
-            </a:pPr>
-            <a:r>
-              <a:rPr b="1" lang="en">
-                <a:solidFill>
-                  <a:schemeClr val="dk1"/>
-                </a:solidFill>
-              </a:rPr>
-              <a:t>Monthly Premium Rate:</a:t>
-            </a:r>
-            <a:r>
-              <a:rPr lang="en">
-                <a:solidFill>
-                  <a:schemeClr val="dk1"/>
-                </a:solidFill>
-              </a:rPr>
-              <a:t> </a:t>
-            </a:r>
-            <a:endParaRPr>
-              <a:solidFill>
-                <a:schemeClr val="dk1"/>
-              </a:solidFill>
-            </a:endParaRPr>
-          </a:p>
-          <a:p>
-            <a:pPr indent="-317500" lvl="0" marL="457200" rtl="0" algn="l">
-              <a:lnSpc>
-                <a:spcPct val="115000"/>
-              </a:lnSpc>
-              <a:spcBef>
-                <a:spcPts val="1200"/>
-              </a:spcBef>
-              <a:spcAft>
-                <a:spcPts val="0"/>
-              </a:spcAft>
-              <a:buClr>
-                <a:schemeClr val="dk1"/>
-              </a:buClr>
-              <a:buSzPts val="1400"/>
-              <a:buChar char="-"/>
+              <a:spcBef>
+                <a:spcPts val="0"/>
+              </a:spcBef>
+              <a:spcAft>
+                <a:spcPts val="0"/>
+              </a:spcAft>
+              <a:buNone/>
             </a:pPr>
             <a:r>
               <a:rPr lang="en">
                 <a:solidFill>
                   <a:schemeClr val="dk1"/>
                 </a:solidFill>
+                <a:latin typeface="Times New Roman"/>
+                <a:ea typeface="Times New Roman"/>
+                <a:cs typeface="Times New Roman"/>
+                <a:sym typeface="Times New Roman"/>
               </a:rPr>
-              <a:t>Luxury cars and luxury SUVs have the highest monthly premium rates. This phenomenon is likely attributable to the higher initial cost of these vehicles, resulting in elevated repair expenses. There is minimal variation in monthly premium rates across different vehicle sizes within the same vehicle class.</a:t>
+              <a:t>These two graphs compares the total claim amount and the monthly premium rate between different vehicle class/types. From our analyzed data, it’s shown that:</a:t>
             </a:r>
             <a:endParaRPr>
               <a:solidFill>
                 <a:schemeClr val="dk1"/>
               </a:solidFill>
+              <a:latin typeface="Times New Roman"/>
+              <a:ea typeface="Times New Roman"/>
+              <a:cs typeface="Times New Roman"/>
+              <a:sym typeface="Times New Roman"/>
             </a:endParaRPr>
           </a:p>
           <a:p>
-            <a:pPr indent="0" lvl="0" marL="0" rtl="0" algn="l">
-              <a:lnSpc>
-                <a:spcPct val="115000"/>
-              </a:lnSpc>
-              <a:spcBef>
-                <a:spcPts val="0"/>
-              </a:spcBef>
-              <a:spcAft>
-                <a:spcPts val="0"/>
-              </a:spcAft>
-              <a:buNone/>
+            <a:pPr indent="-317500" lvl="0" marL="457200" rtl="0" algn="l">
+              <a:spcBef>
+                <a:spcPts val="0"/>
+              </a:spcBef>
+              <a:spcAft>
+                <a:spcPts val="0"/>
+              </a:spcAft>
+              <a:buClr>
+                <a:schemeClr val="dk1"/>
+              </a:buClr>
+              <a:buSzPts val="1400"/>
+              <a:buFont typeface="Times New Roman"/>
+              <a:buChar char="●"/>
+            </a:pPr>
+            <a:r>
+              <a:rPr lang="en">
+                <a:solidFill>
+                  <a:schemeClr val="dk1"/>
+                </a:solidFill>
+                <a:latin typeface="Times New Roman"/>
+                <a:ea typeface="Times New Roman"/>
+                <a:cs typeface="Times New Roman"/>
+                <a:sym typeface="Times New Roman"/>
+              </a:rPr>
+              <a:t>Luxury car and SUV have the highest monthly premium rate: could be due to higher repair cost which could be supported by it having the highest total claim amount compare to other vehicle class </a:t>
+            </a:r>
+            <a:endParaRPr>
+              <a:solidFill>
+                <a:schemeClr val="dk1"/>
+              </a:solidFill>
+              <a:latin typeface="Times New Roman"/>
+              <a:ea typeface="Times New Roman"/>
+              <a:cs typeface="Times New Roman"/>
+              <a:sym typeface="Times New Roman"/>
+            </a:endParaRPr>
+          </a:p>
+          <a:p>
+            <a:pPr indent="-317500" lvl="0" marL="457200" rtl="0" algn="l">
+              <a:spcBef>
+                <a:spcPts val="0"/>
+              </a:spcBef>
+              <a:spcAft>
+                <a:spcPts val="0"/>
+              </a:spcAft>
+              <a:buClr>
+                <a:schemeClr val="dk1"/>
+              </a:buClr>
+              <a:buSzPts val="1400"/>
+              <a:buFont typeface="Times New Roman"/>
+              <a:buChar char="●"/>
             </a:pPr>
             <a:r>
               <a:t/>
@@ -1747,119 +1770,11 @@
               <a:solidFill>
                 <a:schemeClr val="dk1"/>
               </a:solidFill>
+              <a:latin typeface="Times New Roman"/>
+              <a:ea typeface="Times New Roman"/>
+              <a:cs typeface="Times New Roman"/>
+              <a:sym typeface="Times New Roman"/>
             </a:endParaRPr>
-          </a:p>
-          <a:p>
-            <a:pPr indent="0" lvl="0" marL="0" rtl="0" algn="l">
-              <a:lnSpc>
-                <a:spcPct val="115000"/>
-              </a:lnSpc>
-              <a:spcBef>
-                <a:spcPts val="0"/>
-              </a:spcBef>
-              <a:spcAft>
-                <a:spcPts val="0"/>
-              </a:spcAft>
-              <a:buNone/>
-            </a:pPr>
-            <a:r>
-              <a:rPr b="1" lang="en">
-                <a:solidFill>
-                  <a:schemeClr val="dk1"/>
-                </a:solidFill>
-              </a:rPr>
-              <a:t>Total Claim Amount:</a:t>
-            </a:r>
-            <a:r>
-              <a:rPr lang="en">
-                <a:solidFill>
-                  <a:schemeClr val="dk1"/>
-                </a:solidFill>
-              </a:rPr>
-              <a:t> </a:t>
-            </a:r>
-            <a:endParaRPr>
-              <a:solidFill>
-                <a:schemeClr val="dk1"/>
-              </a:solidFill>
-            </a:endParaRPr>
-          </a:p>
-          <a:p>
-            <a:pPr indent="-317500" lvl="0" marL="457200" rtl="0" algn="l">
-              <a:lnSpc>
-                <a:spcPct val="115000"/>
-              </a:lnSpc>
-              <a:spcBef>
-                <a:spcPts val="1200"/>
-              </a:spcBef>
-              <a:spcAft>
-                <a:spcPts val="0"/>
-              </a:spcAft>
-              <a:buClr>
-                <a:schemeClr val="dk1"/>
-              </a:buClr>
-              <a:buSzPts val="1400"/>
-              <a:buChar char="-"/>
-            </a:pPr>
-            <a:r>
-              <a:rPr lang="en">
-                <a:solidFill>
-                  <a:schemeClr val="dk1"/>
-                </a:solidFill>
-              </a:rPr>
-              <a:t>Larger and luxury vehicles typically have higher total claim amounts. This trend may be attributed to the potential for larger vehicles to cause more extensive damage, resulting in increased claim amounts. Luxury cars also have higher total claim amounts due to their higher repair costs.</a:t>
-            </a:r>
-            <a:endParaRPr>
-              <a:solidFill>
-                <a:schemeClr val="dk1"/>
-              </a:solidFill>
-            </a:endParaRPr>
-          </a:p>
-          <a:p>
-            <a:pPr indent="-317500" lvl="0" marL="457200" rtl="0" algn="l">
-              <a:lnSpc>
-                <a:spcPct val="115000"/>
-              </a:lnSpc>
-              <a:spcBef>
-                <a:spcPts val="1000"/>
-              </a:spcBef>
-              <a:spcAft>
-                <a:spcPts val="0"/>
-              </a:spcAft>
-              <a:buClr>
-                <a:schemeClr val="dk1"/>
-              </a:buClr>
-              <a:buSzPts val="1400"/>
-              <a:buChar char="-"/>
-            </a:pPr>
-            <a:r>
-              <a:rPr lang="en">
-                <a:solidFill>
-                  <a:schemeClr val="dk1"/>
-                </a:solidFill>
-              </a:rPr>
-              <a:t>The total claim amount for large and medium-sized two-door and four-door vehicles is approximately the same, with small-sized vehicles having the highest total claim amount. This trend may be due to the larger market presence of small two-door and four-door vehicles.</a:t>
-            </a:r>
-            <a:endParaRPr>
-              <a:solidFill>
-                <a:schemeClr val="dk1"/>
-              </a:solidFill>
-            </a:endParaRPr>
-          </a:p>
-          <a:p>
-            <a:pPr indent="0" lvl="0" marL="457200" rtl="0" algn="l">
-              <a:spcBef>
-                <a:spcPts val="1200"/>
-              </a:spcBef>
-              <a:spcAft>
-                <a:spcPts val="0"/>
-              </a:spcAft>
-              <a:buNone/>
-            </a:pPr>
-            <a:r>
-              <a:t/>
-            </a:r>
-            <a:endParaRPr b="1"/>
           </a:p>
         </p:txBody>
       </p:sp>
@@ -1890,7 +1805,7 @@
       </p:grpSpPr>
       <p:sp>
         <p:nvSpPr>
-          <p:cNvPr id="129" name="Google Shape;129;g2e6b6a2197d_0_673:notes"/>
+          <p:cNvPr id="129" name="Google Shape;129;g2e6b6a2197d_0_166:notes"/>
           <p:cNvSpPr/>
           <p:nvPr>
             <p:ph idx="2" type="sldImg"/>
@@ -1925,7 +1840,7 @@
       </p:sp>
       <p:sp>
         <p:nvSpPr>
-          <p:cNvPr id="130" name="Google Shape;130;g2e6b6a2197d_0_673:notes"/>
+          <p:cNvPr id="130" name="Google Shape;130;g2e6b6a2197d_0_166:notes"/>
           <p:cNvSpPr txBox="1"/>
           <p:nvPr>
             <p:ph idx="1" type="body"/>
@@ -1947,6 +1862,75 @@
           <a:lstStyle/>
           <a:p>
             <a:pPr indent="0" lvl="0" marL="0" rtl="0" algn="l">
+              <a:lnSpc>
+                <a:spcPct val="115000"/>
+              </a:lnSpc>
+              <a:spcBef>
+                <a:spcPts val="1200"/>
+              </a:spcBef>
+              <a:spcAft>
+                <a:spcPts val="0"/>
+              </a:spcAft>
+              <a:buNone/>
+            </a:pPr>
+            <a:r>
+              <a:rPr b="1" lang="en">
+                <a:solidFill>
+                  <a:schemeClr val="dk1"/>
+                </a:solidFill>
+              </a:rPr>
+              <a:t>Monthly Premium Rate:</a:t>
+            </a:r>
+            <a:r>
+              <a:rPr lang="en">
+                <a:solidFill>
+                  <a:schemeClr val="dk1"/>
+                </a:solidFill>
+              </a:rPr>
+              <a:t> </a:t>
+            </a:r>
+            <a:endParaRPr>
+              <a:solidFill>
+                <a:schemeClr val="dk1"/>
+              </a:solidFill>
+            </a:endParaRPr>
+          </a:p>
+          <a:p>
+            <a:pPr indent="-317500" lvl="0" marL="457200" rtl="0" algn="l">
+              <a:lnSpc>
+                <a:spcPct val="115000"/>
+              </a:lnSpc>
+              <a:spcBef>
+                <a:spcPts val="1200"/>
+              </a:spcBef>
+              <a:spcAft>
+                <a:spcPts val="0"/>
+              </a:spcAft>
+              <a:buClr>
+                <a:schemeClr val="dk1"/>
+              </a:buClr>
+              <a:buSzPts val="1400"/>
+              <a:buChar char="-"/>
+            </a:pPr>
+            <a:r>
+              <a:rPr lang="en">
+                <a:solidFill>
+                  <a:schemeClr val="dk1"/>
+                </a:solidFill>
+              </a:rPr>
+              <a:t>Luxury cars and luxury SUVs have the highest monthly premium rates. This phenomenon is likely attributable to the higher initial cost of these vehicles, resulting in elevated repair expenses. There is minimal variation in monthly premium rates across different vehicle sizes within the same vehicle class.</a:t>
+            </a:r>
+            <a:endParaRPr>
+              <a:solidFill>
+                <a:schemeClr val="dk1"/>
+              </a:solidFill>
+            </a:endParaRPr>
+          </a:p>
+          <a:p>
+            <a:pPr indent="0" lvl="0" marL="0" rtl="0" algn="l">
+              <a:lnSpc>
+                <a:spcPct val="115000"/>
+              </a:lnSpc>
               <a:spcBef>
                 <a:spcPts val="0"/>
               </a:spcBef>
@@ -1958,7 +1942,123 @@
             <a:r>
               <a:t/>
             </a:r>
-            <a:endParaRPr/>
+            <a:endParaRPr>
+              <a:solidFill>
+                <a:schemeClr val="dk1"/>
+              </a:solidFill>
+            </a:endParaRPr>
+          </a:p>
+          <a:p>
+            <a:pPr indent="0" lvl="0" marL="0" rtl="0" algn="l">
+              <a:lnSpc>
+                <a:spcPct val="115000"/>
+              </a:lnSpc>
+              <a:spcBef>
+                <a:spcPts val="0"/>
+              </a:spcBef>
+              <a:spcAft>
+                <a:spcPts val="0"/>
+              </a:spcAft>
+              <a:buNone/>
+            </a:pPr>
+            <a:r>
+              <a:rPr b="1" lang="en">
+                <a:solidFill>
+                  <a:schemeClr val="dk1"/>
+                </a:solidFill>
+              </a:rPr>
+              <a:t>Total Claim Amount:</a:t>
+            </a:r>
+            <a:r>
+              <a:rPr lang="en">
+                <a:solidFill>
+                  <a:schemeClr val="dk1"/>
+                </a:solidFill>
+              </a:rPr>
+              <a:t> </a:t>
+            </a:r>
+            <a:endParaRPr>
+              <a:solidFill>
+                <a:schemeClr val="dk1"/>
+              </a:solidFill>
+            </a:endParaRPr>
+          </a:p>
+          <a:p>
+            <a:pPr indent="-317500" lvl="0" marL="457200" rtl="0" algn="l">
+              <a:lnSpc>
+                <a:spcPct val="115000"/>
+              </a:lnSpc>
+              <a:spcBef>
+                <a:spcPts val="1200"/>
+              </a:spcBef>
+              <a:spcAft>
+                <a:spcPts val="0"/>
+              </a:spcAft>
+              <a:buClr>
+                <a:schemeClr val="dk1"/>
+              </a:buClr>
+              <a:buSzPts val="1400"/>
+              <a:buChar char="-"/>
+            </a:pPr>
+            <a:r>
+              <a:rPr lang="en">
+                <a:solidFill>
+                  <a:schemeClr val="dk1"/>
+                </a:solidFill>
+              </a:rPr>
+              <a:t>Larger and luxury vehicles typically have higher total claim amounts. This trend may be attributed to the potential for larger vehicles to cause more extensive damage, resulting in increased claim amounts. Luxury cars also have higher total claim amounts due to their higher repair costs.</a:t>
+            </a:r>
+            <a:endParaRPr>
+              <a:solidFill>
+                <a:schemeClr val="dk1"/>
+              </a:solidFill>
+            </a:endParaRPr>
+          </a:p>
+          <a:p>
+            <a:pPr indent="-317500" lvl="0" marL="457200" rtl="0" algn="l">
+              <a:lnSpc>
+                <a:spcPct val="115000"/>
+              </a:lnSpc>
+              <a:spcBef>
+                <a:spcPts val="1000"/>
+              </a:spcBef>
+              <a:spcAft>
+                <a:spcPts val="0"/>
+              </a:spcAft>
+              <a:buClr>
+                <a:schemeClr val="dk1"/>
+              </a:buClr>
+              <a:buSzPts val="1400"/>
+              <a:buChar char="-"/>
+            </a:pPr>
+            <a:r>
+              <a:rPr lang="en">
+                <a:solidFill>
+                  <a:schemeClr val="dk1"/>
+                </a:solidFill>
+              </a:rPr>
+              <a:t>The total claim amount for large and medium-sized two-door and four-door vehicles is approximately the same, with small-sized vehicles having the highest total claim amount. This trend may be due to the larger market presence of small two-door and four-door vehicles.</a:t>
+            </a:r>
+            <a:endParaRPr>
+              <a:solidFill>
+                <a:schemeClr val="dk1"/>
+              </a:solidFill>
+            </a:endParaRPr>
+          </a:p>
+          <a:p>
+            <a:pPr indent="0" lvl="0" marL="457200" rtl="0" algn="l">
+              <a:spcBef>
+                <a:spcPts val="1200"/>
+              </a:spcBef>
+              <a:spcAft>
+                <a:spcPts val="0"/>
+              </a:spcAft>
+              <a:buNone/>
+            </a:pPr>
+            <a:r>
+              <a:t/>
+            </a:r>
+            <a:endParaRPr b="1"/>
           </a:p>
         </p:txBody>
       </p:sp>
@@ -1975,7 +2075,7 @@
   <p:cSld>
     <p:spTree>
       <p:nvGrpSpPr>
-        <p:cNvPr id="139" name="Shape 139"/>
+        <p:cNvPr id="134" name="Shape 134"/>
         <p:cNvGrpSpPr/>
         <p:nvPr/>
       </p:nvGrpSpPr>
@@ -1989,7 +2089,7 @@
       </p:grpSpPr>
       <p:sp>
         <p:nvSpPr>
-          <p:cNvPr id="140" name="Google Shape;140;g2e6b6a2197d_0_782:notes"/>
+          <p:cNvPr id="135" name="Google Shape;135;g2e6b6a2197d_0_673:notes"/>
           <p:cNvSpPr/>
           <p:nvPr>
             <p:ph idx="2" type="sldImg"/>
@@ -2024,7 +2124,7 @@
       </p:sp>
       <p:sp>
         <p:nvSpPr>
-          <p:cNvPr id="141" name="Google Shape;141;g2e6b6a2197d_0_782:notes"/>
+          <p:cNvPr id="136" name="Google Shape;136;g2e6b6a2197d_0_673:notes"/>
           <p:cNvSpPr txBox="1"/>
           <p:nvPr>
             <p:ph idx="1" type="body"/>
@@ -2074,7 +2174,7 @@
   <p:cSld>
     <p:spTree>
       <p:nvGrpSpPr>
-        <p:cNvPr id="148" name="Shape 148"/>
+        <p:cNvPr id="145" name="Shape 145"/>
         <p:cNvGrpSpPr/>
         <p:nvPr/>
       </p:nvGrpSpPr>
@@ -2088,7 +2188,7 @@
       </p:grpSpPr>
       <p:sp>
         <p:nvSpPr>
-          <p:cNvPr id="149" name="Google Shape;149;g2e6b6a2197d_0_144:notes"/>
+          <p:cNvPr id="146" name="Google Shape;146;g2e6b6a2197d_0_782:notes"/>
           <p:cNvSpPr/>
           <p:nvPr>
             <p:ph idx="2" type="sldImg"/>
@@ -2123,7 +2223,7 @@
       </p:sp>
       <p:sp>
         <p:nvSpPr>
-          <p:cNvPr id="150" name="Google Shape;150;g2e6b6a2197d_0_144:notes"/>
+          <p:cNvPr id="147" name="Google Shape;147;g2e6b6a2197d_0_782:notes"/>
           <p:cNvSpPr txBox="1"/>
           <p:nvPr>
             <p:ph idx="1" type="body"/>
@@ -2173,7 +2273,7 @@
   <p:cSld>
     <p:spTree>
       <p:nvGrpSpPr>
-        <p:cNvPr id="156" name="Shape 156"/>
+        <p:cNvPr id="154" name="Shape 154"/>
         <p:cNvGrpSpPr/>
         <p:nvPr/>
       </p:nvGrpSpPr>
@@ -2187,7 +2287,7 @@
       </p:grpSpPr>
       <p:sp>
         <p:nvSpPr>
-          <p:cNvPr id="157" name="Google Shape;157;g2e6b6a2197d_0_456:notes"/>
+          <p:cNvPr id="155" name="Google Shape;155;g2e6b6a2197d_0_144:notes"/>
           <p:cNvSpPr/>
           <p:nvPr>
             <p:ph idx="2" type="sldImg"/>
@@ -2222,7 +2322,7 @@
       </p:sp>
       <p:sp>
         <p:nvSpPr>
-          <p:cNvPr id="158" name="Google Shape;158;g2e6b6a2197d_0_456:notes"/>
+          <p:cNvPr id="156" name="Google Shape;156;g2e6b6a2197d_0_144:notes"/>
           <p:cNvSpPr txBox="1"/>
           <p:nvPr>
             <p:ph idx="1" type="body"/>
@@ -12034,7 +12134,298 @@
   <p:cSld>
     <p:spTree>
       <p:nvGrpSpPr>
-        <p:cNvPr id="167" name="Shape 167"/>
+        <p:cNvPr id="165" name="Shape 165"/>
+        <p:cNvGrpSpPr/>
+        <p:nvPr/>
+      </p:nvGrpSpPr>
+      <p:grpSpPr>
+        <a:xfrm>
+          <a:off x="0" y="0"/>
+          <a:ext cx="0" cy="0"/>
+          <a:chOff x="0" y="0"/>
+          <a:chExt cx="0" cy="0"/>
+        </a:xfrm>
+      </p:grpSpPr>
+      <p:sp>
+        <p:nvSpPr>
+          <p:cNvPr id="166" name="Google Shape;166;p34"/>
+          <p:cNvSpPr txBox="1"/>
+          <p:nvPr/>
+        </p:nvSpPr>
+        <p:spPr>
+          <a:xfrm>
+            <a:off x="888600" y="188800"/>
+            <a:ext cx="7366800" cy="482700"/>
+          </a:xfrm>
+          <a:prstGeom prst="rect">
+            <a:avLst/>
+          </a:prstGeom>
+          <a:noFill/>
+          <a:ln>
+            <a:noFill/>
+          </a:ln>
+        </p:spPr>
+        <p:txBody>
+          <a:bodyPr anchorCtr="0" anchor="t" bIns="91425" lIns="91425" spcFirstLastPara="1" rIns="91425" wrap="square" tIns="91425">
+            <a:noAutofit/>
+          </a:bodyPr>
+          <a:lstStyle/>
+          <a:p>
+            <a:pPr indent="0" lvl="0" marL="0" rtl="0" algn="ctr">
+              <a:spcBef>
+                <a:spcPts val="0"/>
+              </a:spcBef>
+              <a:spcAft>
+                <a:spcPts val="0"/>
+              </a:spcAft>
+              <a:buNone/>
+            </a:pPr>
+            <a:r>
+              <a:rPr b="1" lang="en" sz="1800">
+                <a:solidFill>
+                  <a:schemeClr val="dk1"/>
+                </a:solidFill>
+              </a:rPr>
+              <a:t>Which state has the highest number of claims and why.</a:t>
+            </a:r>
+            <a:endParaRPr b="1" sz="1800">
+              <a:solidFill>
+                <a:schemeClr val="dk1"/>
+              </a:solidFill>
+            </a:endParaRPr>
+          </a:p>
+        </p:txBody>
+      </p:sp>
+      <p:pic>
+        <p:nvPicPr>
+          <p:cNvPr id="167" name="Google Shape;167;p34"/>
+          <p:cNvPicPr preferRelativeResize="0"/>
+          <p:nvPr/>
+        </p:nvPicPr>
+        <p:blipFill>
+          <a:blip r:embed="rId3">
+            <a:alphaModFix/>
+          </a:blip>
+          <a:stretch>
+            <a:fillRect/>
+          </a:stretch>
+        </p:blipFill>
+        <p:spPr>
+          <a:xfrm>
+            <a:off x="1869350" y="2704098"/>
+            <a:ext cx="1901275" cy="1901251"/>
+          </a:xfrm>
+          <a:prstGeom prst="rect">
+            <a:avLst/>
+          </a:prstGeom>
+          <a:noFill/>
+          <a:ln>
+            <a:noFill/>
+          </a:ln>
+        </p:spPr>
+      </p:pic>
+      <p:sp>
+        <p:nvSpPr>
+          <p:cNvPr id="168" name="Google Shape;168;p34"/>
+          <p:cNvSpPr txBox="1"/>
+          <p:nvPr/>
+        </p:nvSpPr>
+        <p:spPr>
+          <a:xfrm>
+            <a:off x="5424875" y="1401900"/>
+            <a:ext cx="2382000" cy="2339700"/>
+          </a:xfrm>
+          <a:prstGeom prst="rect">
+            <a:avLst/>
+          </a:prstGeom>
+          <a:noFill/>
+          <a:ln>
+            <a:noFill/>
+          </a:ln>
+        </p:spPr>
+        <p:txBody>
+          <a:bodyPr anchorCtr="0" anchor="t" bIns="91425" lIns="91425" spcFirstLastPara="1" rIns="91425" wrap="square" tIns="91425">
+            <a:spAutoFit/>
+          </a:bodyPr>
+          <a:lstStyle/>
+          <a:p>
+            <a:pPr indent="0" lvl="0" marL="0" rtl="0" algn="l">
+              <a:lnSpc>
+                <a:spcPct val="150000"/>
+              </a:lnSpc>
+              <a:spcBef>
+                <a:spcPts val="0"/>
+              </a:spcBef>
+              <a:spcAft>
+                <a:spcPts val="0"/>
+              </a:spcAft>
+              <a:buNone/>
+            </a:pPr>
+            <a:r>
+              <a:rPr lang="en" sz="2000">
+                <a:solidFill>
+                  <a:schemeClr val="dk2"/>
+                </a:solidFill>
+              </a:rPr>
+              <a:t>● Arizona</a:t>
+            </a:r>
+            <a:endParaRPr sz="2000">
+              <a:solidFill>
+                <a:schemeClr val="dk2"/>
+              </a:solidFill>
+            </a:endParaRPr>
+          </a:p>
+          <a:p>
+            <a:pPr indent="0" lvl="0" marL="0" rtl="0" algn="l">
+              <a:lnSpc>
+                <a:spcPct val="150000"/>
+              </a:lnSpc>
+              <a:spcBef>
+                <a:spcPts val="0"/>
+              </a:spcBef>
+              <a:spcAft>
+                <a:spcPts val="0"/>
+              </a:spcAft>
+              <a:buNone/>
+            </a:pPr>
+            <a:r>
+              <a:rPr lang="en" sz="2000">
+                <a:solidFill>
+                  <a:schemeClr val="dk2"/>
+                </a:solidFill>
+              </a:rPr>
+              <a:t>● California</a:t>
+            </a:r>
+            <a:endParaRPr sz="2000">
+              <a:solidFill>
+                <a:schemeClr val="dk2"/>
+              </a:solidFill>
+            </a:endParaRPr>
+          </a:p>
+          <a:p>
+            <a:pPr indent="0" lvl="0" marL="0" rtl="0" algn="l">
+              <a:lnSpc>
+                <a:spcPct val="150000"/>
+              </a:lnSpc>
+              <a:spcBef>
+                <a:spcPts val="0"/>
+              </a:spcBef>
+              <a:spcAft>
+                <a:spcPts val="0"/>
+              </a:spcAft>
+              <a:buNone/>
+            </a:pPr>
+            <a:r>
+              <a:rPr lang="en" sz="2000">
+                <a:solidFill>
+                  <a:schemeClr val="dk2"/>
+                </a:solidFill>
+              </a:rPr>
+              <a:t>● Nevada</a:t>
+            </a:r>
+            <a:endParaRPr sz="2000">
+              <a:solidFill>
+                <a:schemeClr val="dk2"/>
+              </a:solidFill>
+            </a:endParaRPr>
+          </a:p>
+          <a:p>
+            <a:pPr indent="0" lvl="0" marL="0" rtl="0" algn="l">
+              <a:lnSpc>
+                <a:spcPct val="150000"/>
+              </a:lnSpc>
+              <a:spcBef>
+                <a:spcPts val="0"/>
+              </a:spcBef>
+              <a:spcAft>
+                <a:spcPts val="0"/>
+              </a:spcAft>
+              <a:buNone/>
+            </a:pPr>
+            <a:r>
+              <a:rPr lang="en" sz="2000">
+                <a:solidFill>
+                  <a:schemeClr val="dk2"/>
+                </a:solidFill>
+              </a:rPr>
+              <a:t>● Oregon</a:t>
+            </a:r>
+            <a:endParaRPr sz="2000">
+              <a:solidFill>
+                <a:schemeClr val="dk2"/>
+              </a:solidFill>
+            </a:endParaRPr>
+          </a:p>
+          <a:p>
+            <a:pPr indent="0" lvl="0" marL="0" rtl="0" algn="l">
+              <a:lnSpc>
+                <a:spcPct val="150000"/>
+              </a:lnSpc>
+              <a:spcBef>
+                <a:spcPts val="0"/>
+              </a:spcBef>
+              <a:spcAft>
+                <a:spcPts val="0"/>
+              </a:spcAft>
+              <a:buNone/>
+            </a:pPr>
+            <a:r>
+              <a:rPr lang="en" sz="2000">
+                <a:solidFill>
+                  <a:schemeClr val="dk2"/>
+                </a:solidFill>
+              </a:rPr>
+              <a:t>● Washington  </a:t>
+            </a:r>
+            <a:endParaRPr sz="2000">
+              <a:solidFill>
+                <a:schemeClr val="dk2"/>
+              </a:solidFill>
+            </a:endParaRPr>
+          </a:p>
+        </p:txBody>
+      </p:sp>
+      <p:pic>
+        <p:nvPicPr>
+          <p:cNvPr id="169" name="Google Shape;169;p34"/>
+          <p:cNvPicPr preferRelativeResize="0"/>
+          <p:nvPr/>
+        </p:nvPicPr>
+        <p:blipFill rotWithShape="1">
+          <a:blip r:embed="rId4">
+            <a:alphaModFix/>
+          </a:blip>
+          <a:srcRect b="12633" l="0" r="2075" t="0"/>
+          <a:stretch/>
+        </p:blipFill>
+        <p:spPr>
+          <a:xfrm>
+            <a:off x="1766925" y="788200"/>
+            <a:ext cx="2106124" cy="2009123"/>
+          </a:xfrm>
+          <a:prstGeom prst="rect">
+            <a:avLst/>
+          </a:prstGeom>
+          <a:noFill/>
+          <a:ln>
+            <a:noFill/>
+          </a:ln>
+        </p:spPr>
+      </p:pic>
+    </p:spTree>
+  </p:cSld>
+  <p:clrMapOvr>
+    <a:masterClrMapping/>
+  </p:clrMapOvr>
+</p:sld>
+</file>
+
+<file path=ppt/slides/slide11.xml><?xml version="1.0" encoding="utf-8"?>
+<p:sld xmlns:a="http://schemas.openxmlformats.org/drawingml/2006/main" xmlns:r="http://schemas.openxmlformats.org/officeDocument/2006/relationships" xmlns:mc="http://schemas.openxmlformats.org/markup-compatibility/2006" xmlns:mv="urn:schemas-microsoft-com:mac:vml" xmlns:p="http://schemas.openxmlformats.org/presentationml/2006/main" xmlns:c="http://schemas.openxmlformats.org/drawingml/2006/chart" xmlns:dgm="http://schemas.openxmlformats.org/drawingml/2006/diagram" xmlns:o="urn:schemas-microsoft-com:office:office" xmlns:v="urn:schemas-microsoft-com:vml" xmlns:pvml="urn:schemas-microsoft-com:office:powerpoint" xmlns:com="http://schemas.openxmlformats.org/drawingml/2006/compatibility" xmlns:p14="http://schemas.microsoft.com/office/powerpoint/2010/main" xmlns:p15="http://schemas.microsoft.com/office/powerpoint/2012/main" xmlns:ahyp="http://schemas.microsoft.com/office/drawing/2018/hyperlinkcolor">
+  <p:cSld>
+    <p:spTree>
+      <p:nvGrpSpPr>
+        <p:cNvPr id="173" name="Shape 173"/>
         <p:cNvGrpSpPr/>
         <p:nvPr/>
       </p:nvGrpSpPr>
@@ -12048,7 +12439,7 @@
       </p:grpSpPr>
       <p:pic>
         <p:nvPicPr>
-          <p:cNvPr id="168" name="Google Shape;168;p34"/>
+          <p:cNvPr id="174" name="Google Shape;174;p35"/>
           <p:cNvPicPr preferRelativeResize="0"/>
           <p:nvPr/>
         </p:nvPicPr>
@@ -12076,57 +12467,7 @@
       </p:pic>
       <p:sp>
         <p:nvSpPr>
-          <p:cNvPr id="169" name="Google Shape;169;p34"/>
-          <p:cNvSpPr txBox="1"/>
-          <p:nvPr/>
-        </p:nvSpPr>
-        <p:spPr>
-          <a:xfrm>
-            <a:off x="2495550" y="177500"/>
-            <a:ext cx="4152900" cy="456300"/>
-          </a:xfrm>
-          <a:prstGeom prst="rect">
-            <a:avLst/>
-          </a:prstGeom>
-          <a:noFill/>
-          <a:ln>
-            <a:noFill/>
-          </a:ln>
-        </p:spPr>
-        <p:txBody>
-          <a:bodyPr anchorCtr="0" anchor="t" bIns="91425" lIns="91425" spcFirstLastPara="1" rIns="91425" wrap="square" tIns="91425">
-            <a:noAutofit/>
-          </a:bodyPr>
-          <a:lstStyle/>
-          <a:p>
-            <a:pPr indent="0" lvl="0" marL="0" rtl="0" algn="ctr">
-              <a:spcBef>
-                <a:spcPts val="0"/>
-              </a:spcBef>
-              <a:spcAft>
-                <a:spcPts val="0"/>
-              </a:spcAft>
-              <a:buNone/>
-            </a:pPr>
-            <a:r>
-              <a:rPr b="1" lang="en" sz="1800">
-                <a:solidFill>
-                  <a:schemeClr val="dk1"/>
-                </a:solidFill>
-              </a:rPr>
-              <a:t>Total Number of Claims by State</a:t>
-            </a:r>
-            <a:endParaRPr b="1" sz="1800">
-              <a:solidFill>
-                <a:schemeClr val="dk1"/>
-              </a:solidFill>
-            </a:endParaRPr>
-          </a:p>
-        </p:txBody>
-      </p:sp>
-      <p:sp>
-        <p:nvSpPr>
-          <p:cNvPr id="170" name="Google Shape;170;p34"/>
+          <p:cNvPr id="175" name="Google Shape;175;p35"/>
           <p:cNvSpPr txBox="1"/>
           <p:nvPr/>
         </p:nvSpPr>
@@ -12391,7 +12732,7 @@
       </p:sp>
       <p:cxnSp>
         <p:nvCxnSpPr>
-          <p:cNvPr id="171" name="Google Shape;171;p34"/>
+          <p:cNvPr id="176" name="Google Shape;176;p35"/>
           <p:cNvCxnSpPr/>
           <p:nvPr/>
         </p:nvCxnSpPr>
@@ -12417,7 +12758,7 @@
       </p:cxnSp>
       <p:sp>
         <p:nvSpPr>
-          <p:cNvPr id="172" name="Google Shape;172;p34"/>
+          <p:cNvPr id="177" name="Google Shape;177;p35"/>
           <p:cNvSpPr txBox="1"/>
           <p:nvPr/>
         </p:nvSpPr>
@@ -12462,7 +12803,7 @@
       </p:sp>
       <p:pic>
         <p:nvPicPr>
-          <p:cNvPr id="173" name="Google Shape;173;p34"/>
+          <p:cNvPr id="178" name="Google Shape;178;p35"/>
           <p:cNvPicPr preferRelativeResize="0"/>
           <p:nvPr/>
         </p:nvPicPr>
@@ -12490,7 +12831,7 @@
       </p:pic>
       <p:sp>
         <p:nvSpPr>
-          <p:cNvPr id="174" name="Google Shape;174;p34"/>
+          <p:cNvPr id="179" name="Google Shape;179;p35"/>
           <p:cNvSpPr txBox="1"/>
           <p:nvPr/>
         </p:nvSpPr>
@@ -12562,6 +12903,56 @@
           </a:p>
         </p:txBody>
       </p:sp>
+      <p:sp>
+        <p:nvSpPr>
+          <p:cNvPr id="180" name="Google Shape;180;p35"/>
+          <p:cNvSpPr txBox="1"/>
+          <p:nvPr/>
+        </p:nvSpPr>
+        <p:spPr>
+          <a:xfrm>
+            <a:off x="0" y="0"/>
+            <a:ext cx="8876100" cy="461700"/>
+          </a:xfrm>
+          <a:prstGeom prst="rect">
+            <a:avLst/>
+          </a:prstGeom>
+          <a:noFill/>
+          <a:ln>
+            <a:noFill/>
+          </a:ln>
+        </p:spPr>
+        <p:txBody>
+          <a:bodyPr anchorCtr="0" anchor="t" bIns="91425" lIns="91425" spcFirstLastPara="1" rIns="91425" wrap="square" tIns="91425">
+            <a:spAutoFit/>
+          </a:bodyPr>
+          <a:lstStyle/>
+          <a:p>
+            <a:pPr indent="0" lvl="0" marL="0" rtl="0" algn="ctr">
+              <a:spcBef>
+                <a:spcPts val="0"/>
+              </a:spcBef>
+              <a:spcAft>
+                <a:spcPts val="0"/>
+              </a:spcAft>
+              <a:buNone/>
+            </a:pPr>
+            <a:r>
+              <a:rPr b="1" lang="en" sz="1800">
+                <a:solidFill>
+                  <a:schemeClr val="dk1"/>
+                </a:solidFill>
+              </a:rPr>
+              <a:t>Which state has the highest number of claims and why.</a:t>
+            </a:r>
+            <a:endParaRPr b="1" sz="1800">
+              <a:solidFill>
+                <a:schemeClr val="dk1"/>
+              </a:solidFill>
+            </a:endParaRPr>
+          </a:p>
+        </p:txBody>
+      </p:sp>
     </p:spTree>
   </p:cSld>
   <p:clrMapOvr>
@@ -12570,7 +12961,7 @@
 </p:sld>
 </file>
 
-<file path=ppt/slides/slide11.xml><?xml version="1.0" encoding="utf-8"?>
+<file path=ppt/slides/slide12.xml><?xml version="1.0" encoding="utf-8"?>
 <p:sld xmlns:a="http://schemas.openxmlformats.org/drawingml/2006/main" xmlns:r="http://schemas.openxmlformats.org/officeDocument/2006/relationships" xmlns:mc="http://schemas.openxmlformats.org/markup-compatibility/2006" xmlns:mv="urn:schemas-microsoft-com:mac:vml" xmlns:p="http://schemas.openxmlformats.org/presentationml/2006/main" xmlns:c="http://schemas.openxmlformats.org/drawingml/2006/chart" xmlns:dgm="http://schemas.openxmlformats.org/drawingml/2006/diagram" xmlns:o="urn:schemas-microsoft-com:office:office" xmlns:v="urn:schemas-microsoft-com:vml" xmlns:pvml="urn:schemas-microsoft-com:office:powerpoint" xmlns:com="http://schemas.openxmlformats.org/drawingml/2006/compatibility" xmlns:p14="http://schemas.microsoft.com/office/powerpoint/2010/main" xmlns:p15="http://schemas.microsoft.com/office/powerpoint/2012/main" xmlns:ahyp="http://schemas.microsoft.com/office/drawing/2018/hyperlinkcolor">
   <p:cSld>
     <p:bg>
@@ -12582,7 +12973,7 @@
     </p:bg>
     <p:spTree>
       <p:nvGrpSpPr>
-        <p:cNvPr id="178" name="Shape 178"/>
+        <p:cNvPr id="184" name="Shape 184"/>
         <p:cNvGrpSpPr/>
         <p:nvPr/>
       </p:nvGrpSpPr>
@@ -12596,7 +12987,7 @@
       </p:grpSpPr>
       <p:pic>
         <p:nvPicPr>
-          <p:cNvPr id="179" name="Google Shape;179;p35"/>
+          <p:cNvPr id="185" name="Google Shape;185;p36"/>
           <p:cNvPicPr preferRelativeResize="0"/>
           <p:nvPr/>
         </p:nvPicPr>
@@ -12624,7 +13015,7 @@
       </p:pic>
       <p:pic>
         <p:nvPicPr>
-          <p:cNvPr id="180" name="Google Shape;180;p35"/>
+          <p:cNvPr id="186" name="Google Shape;186;p36"/>
           <p:cNvPicPr preferRelativeResize="0"/>
           <p:nvPr/>
         </p:nvPicPr>
@@ -12652,7 +13043,7 @@
       </p:pic>
       <p:pic>
         <p:nvPicPr>
-          <p:cNvPr id="181" name="Google Shape;181;p35"/>
+          <p:cNvPr id="187" name="Google Shape;187;p36"/>
           <p:cNvPicPr preferRelativeResize="0"/>
           <p:nvPr/>
         </p:nvPicPr>
@@ -12680,7 +13071,7 @@
       </p:pic>
       <p:pic>
         <p:nvPicPr>
-          <p:cNvPr id="182" name="Google Shape;182;p35"/>
+          <p:cNvPr id="188" name="Google Shape;188;p36"/>
           <p:cNvPicPr preferRelativeResize="0"/>
           <p:nvPr/>
         </p:nvPicPr>
@@ -12708,7 +13099,7 @@
       </p:pic>
       <p:sp>
         <p:nvSpPr>
-          <p:cNvPr id="183" name="Google Shape;183;p35"/>
+          <p:cNvPr id="189" name="Google Shape;189;p36"/>
           <p:cNvSpPr txBox="1"/>
           <p:nvPr/>
         </p:nvSpPr>
@@ -12758,7 +13149,7 @@
       </p:sp>
       <p:sp>
         <p:nvSpPr>
-          <p:cNvPr id="184" name="Google Shape;184;p35"/>
+          <p:cNvPr id="190" name="Google Shape;190;p36"/>
           <p:cNvSpPr txBox="1"/>
           <p:nvPr/>
         </p:nvSpPr>
@@ -12808,7 +13199,7 @@
       </p:sp>
       <p:sp>
         <p:nvSpPr>
-          <p:cNvPr id="185" name="Google Shape;185;p35"/>
+          <p:cNvPr id="191" name="Google Shape;191;p36"/>
           <p:cNvSpPr txBox="1"/>
           <p:nvPr/>
         </p:nvSpPr>
@@ -12858,7 +13249,7 @@
       </p:sp>
       <p:sp>
         <p:nvSpPr>
-          <p:cNvPr id="186" name="Google Shape;186;p35"/>
+          <p:cNvPr id="192" name="Google Shape;192;p36"/>
           <p:cNvSpPr txBox="1"/>
           <p:nvPr/>
         </p:nvSpPr>
@@ -12914,12 +13305,12 @@
 </p:sld>
 </file>
 
-<file path=ppt/slides/slide12.xml><?xml version="1.0" encoding="utf-8"?>
+<file path=ppt/slides/slide13.xml><?xml version="1.0" encoding="utf-8"?>
 <p:sld xmlns:a="http://schemas.openxmlformats.org/drawingml/2006/main" xmlns:r="http://schemas.openxmlformats.org/officeDocument/2006/relationships" xmlns:mc="http://schemas.openxmlformats.org/markup-compatibility/2006" xmlns:mv="urn:schemas-microsoft-com:mac:vml" xmlns:p="http://schemas.openxmlformats.org/presentationml/2006/main" xmlns:c="http://schemas.openxmlformats.org/drawingml/2006/chart" xmlns:dgm="http://schemas.openxmlformats.org/drawingml/2006/diagram" xmlns:o="urn:schemas-microsoft-com:office:office" xmlns:v="urn:schemas-microsoft-com:vml" xmlns:pvml="urn:schemas-microsoft-com:office:powerpoint" xmlns:com="http://schemas.openxmlformats.org/drawingml/2006/compatibility" xmlns:p14="http://schemas.microsoft.com/office/powerpoint/2010/main" xmlns:p15="http://schemas.microsoft.com/office/powerpoint/2012/main" xmlns:ahyp="http://schemas.microsoft.com/office/drawing/2018/hyperlinkcolor">
   <p:cSld>
     <p:spTree>
       <p:nvGrpSpPr>
-        <p:cNvPr id="190" name="Shape 190"/>
+        <p:cNvPr id="196" name="Shape 196"/>
         <p:cNvGrpSpPr/>
         <p:nvPr/>
       </p:nvGrpSpPr>
@@ -12933,7 +13324,7 @@
       </p:grpSpPr>
       <p:pic>
         <p:nvPicPr>
-          <p:cNvPr id="191" name="Google Shape;191;p36"/>
+          <p:cNvPr id="197" name="Google Shape;197;p37"/>
           <p:cNvPicPr preferRelativeResize="0"/>
           <p:nvPr/>
         </p:nvPicPr>
@@ -12961,7 +13352,7 @@
       </p:pic>
       <p:pic>
         <p:nvPicPr>
-          <p:cNvPr id="192" name="Google Shape;192;p36"/>
+          <p:cNvPr id="198" name="Google Shape;198;p37"/>
           <p:cNvPicPr preferRelativeResize="0"/>
           <p:nvPr/>
         </p:nvPicPr>
@@ -12989,7 +13380,7 @@
       </p:pic>
       <p:pic>
         <p:nvPicPr>
-          <p:cNvPr id="193" name="Google Shape;193;p36"/>
+          <p:cNvPr id="199" name="Google Shape;199;p37"/>
           <p:cNvPicPr preferRelativeResize="0"/>
           <p:nvPr/>
         </p:nvPicPr>
@@ -13017,7 +13408,7 @@
       </p:pic>
       <p:sp>
         <p:nvSpPr>
-          <p:cNvPr id="194" name="Google Shape;194;p36"/>
+          <p:cNvPr id="200" name="Google Shape;200;p37"/>
           <p:cNvSpPr txBox="1"/>
           <p:nvPr/>
         </p:nvSpPr>
@@ -13067,10 +13458,10 @@
       </p:sp>
       <p:cxnSp>
         <p:nvCxnSpPr>
-          <p:cNvPr id="195" name="Google Shape;195;p36"/>
+          <p:cNvPr id="201" name="Google Shape;201;p37"/>
           <p:cNvCxnSpPr>
-            <a:stCxn id="193" idx="1"/>
-            <a:endCxn id="191" idx="0"/>
+            <a:stCxn id="199" idx="1"/>
+            <a:endCxn id="197" idx="0"/>
           </p:cNvCxnSpPr>
           <p:nvPr/>
         </p:nvCxnSpPr>
@@ -13096,7 +13487,7 @@
       </p:cxnSp>
       <p:cxnSp>
         <p:nvCxnSpPr>
-          <p:cNvPr id="196" name="Google Shape;196;p36"/>
+          <p:cNvPr id="202" name="Google Shape;202;p37"/>
           <p:cNvCxnSpPr/>
           <p:nvPr/>
         </p:nvCxnSpPr>
@@ -13122,10 +13513,10 @@
       </p:cxnSp>
       <p:cxnSp>
         <p:nvCxnSpPr>
-          <p:cNvPr id="197" name="Google Shape;197;p36"/>
+          <p:cNvPr id="203" name="Google Shape;203;p37"/>
           <p:cNvCxnSpPr>
-            <a:stCxn id="192" idx="0"/>
-            <a:endCxn id="193" idx="3"/>
+            <a:stCxn id="198" idx="0"/>
+            <a:endCxn id="199" idx="3"/>
           </p:cNvCxnSpPr>
           <p:nvPr/>
         </p:nvCxnSpPr>
@@ -13151,7 +13542,7 @@
       </p:cxnSp>
       <p:sp>
         <p:nvSpPr>
-          <p:cNvPr id="198" name="Google Shape;198;p36"/>
+          <p:cNvPr id="204" name="Google Shape;204;p37"/>
           <p:cNvSpPr txBox="1"/>
           <p:nvPr/>
         </p:nvSpPr>
@@ -13228,7 +13619,7 @@
       </p:sp>
       <p:sp>
         <p:nvSpPr>
-          <p:cNvPr id="199" name="Google Shape;199;p36"/>
+          <p:cNvPr id="205" name="Google Shape;205;p37"/>
           <p:cNvSpPr txBox="1"/>
           <p:nvPr/>
         </p:nvSpPr>
@@ -13278,7 +13669,7 @@
       </p:sp>
       <p:sp>
         <p:nvSpPr>
-          <p:cNvPr id="200" name="Google Shape;200;p36"/>
+          <p:cNvPr id="206" name="Google Shape;206;p37"/>
           <p:cNvSpPr txBox="1"/>
           <p:nvPr/>
         </p:nvSpPr>
@@ -13328,7 +13719,7 @@
       </p:sp>
       <p:sp>
         <p:nvSpPr>
-          <p:cNvPr id="201" name="Google Shape;201;p36"/>
+          <p:cNvPr id="207" name="Google Shape;207;p37"/>
           <p:cNvSpPr txBox="1"/>
           <p:nvPr/>
         </p:nvSpPr>
@@ -13373,7 +13764,7 @@
       </p:sp>
       <p:sp>
         <p:nvSpPr>
-          <p:cNvPr id="202" name="Google Shape;202;p36"/>
+          <p:cNvPr id="208" name="Google Shape;208;p37"/>
           <p:cNvSpPr txBox="1"/>
           <p:nvPr/>
         </p:nvSpPr>
@@ -13539,7 +13930,7 @@
 </p:sld>
 </file>
 
-<file path=ppt/slides/slide13.xml><?xml version="1.0" encoding="utf-8"?>
+<file path=ppt/slides/slide14.xml><?xml version="1.0" encoding="utf-8"?>
 <p:sld xmlns:a="http://schemas.openxmlformats.org/drawingml/2006/main" xmlns:r="http://schemas.openxmlformats.org/officeDocument/2006/relationships" xmlns:mc="http://schemas.openxmlformats.org/markup-compatibility/2006" xmlns:mv="urn:schemas-microsoft-com:mac:vml" xmlns:p="http://schemas.openxmlformats.org/presentationml/2006/main" xmlns:c="http://schemas.openxmlformats.org/drawingml/2006/chart" xmlns:dgm="http://schemas.openxmlformats.org/drawingml/2006/diagram" xmlns:o="urn:schemas-microsoft-com:office:office" xmlns:v="urn:schemas-microsoft-com:vml" xmlns:pvml="urn:schemas-microsoft-com:office:powerpoint" xmlns:com="http://schemas.openxmlformats.org/drawingml/2006/compatibility" xmlns:p14="http://schemas.microsoft.com/office/powerpoint/2010/main" xmlns:p15="http://schemas.microsoft.com/office/powerpoint/2012/main" xmlns:ahyp="http://schemas.microsoft.com/office/drawing/2018/hyperlinkcolor">
   <p:cSld>
     <p:bg>
@@ -13556,7 +13947,7 @@
     </p:bg>
     <p:spTree>
       <p:nvGrpSpPr>
-        <p:cNvPr id="206" name="Shape 206"/>
+        <p:cNvPr id="212" name="Shape 212"/>
         <p:cNvGrpSpPr/>
         <p:nvPr/>
       </p:nvGrpSpPr>
@@ -14101,6 +14492,18 @@
 <file path=ppt/slides/slide4.xml><?xml version="1.0" encoding="utf-8"?>
 <p:sld xmlns:a="http://schemas.openxmlformats.org/drawingml/2006/main" xmlns:r="http://schemas.openxmlformats.org/officeDocument/2006/relationships" xmlns:mc="http://schemas.openxmlformats.org/markup-compatibility/2006" xmlns:mv="urn:schemas-microsoft-com:mac:vml" xmlns:p="http://schemas.openxmlformats.org/presentationml/2006/main" xmlns:c="http://schemas.openxmlformats.org/drawingml/2006/chart" xmlns:dgm="http://schemas.openxmlformats.org/drawingml/2006/diagram" xmlns:o="urn:schemas-microsoft-com:office:office" xmlns:v="urn:schemas-microsoft-com:vml" xmlns:pvml="urn:schemas-microsoft-com:office:powerpoint" xmlns:com="http://schemas.openxmlformats.org/drawingml/2006/compatibility" xmlns:p14="http://schemas.microsoft.com/office/powerpoint/2010/main" xmlns:p15="http://schemas.microsoft.com/office/powerpoint/2012/main" xmlns:ahyp="http://schemas.microsoft.com/office/drawing/2018/hyperlinkcolor">
   <p:cSld>
+    <p:bg>
+      <p:bgPr>
+        <a:blipFill>
+          <a:blip r:embed="rId3">
+            <a:alphaModFix/>
+          </a:blip>
+          <a:stretch>
+            <a:fillRect/>
+          </a:stretch>
+        </a:blipFill>
+      </p:bgPr>
+    </p:bg>
     <p:spTree>
       <p:nvGrpSpPr>
         <p:cNvPr id="117" name="Shape 117"/>
@@ -14115,9 +14518,137 @@
           <a:chExt cx="0" cy="0"/>
         </a:xfrm>
       </p:grpSpPr>
+      <p:sp>
+        <p:nvSpPr>
+          <p:cNvPr id="118" name="Google Shape;118;p28"/>
+          <p:cNvSpPr txBox="1"/>
+          <p:nvPr/>
+        </p:nvSpPr>
+        <p:spPr>
+          <a:xfrm rot="1999301">
+            <a:off x="2799468" y="1304839"/>
+            <a:ext cx="2821208" cy="852369"/>
+          </a:xfrm>
+          <a:prstGeom prst="rect">
+            <a:avLst/>
+          </a:prstGeom>
+          <a:noFill/>
+          <a:ln>
+            <a:noFill/>
+          </a:ln>
+        </p:spPr>
+        <p:txBody>
+          <a:bodyPr anchorCtr="0" anchor="t" bIns="91425" lIns="91425" spcFirstLastPara="1" rIns="91425" wrap="square" tIns="91425">
+            <a:noAutofit/>
+          </a:bodyPr>
+          <a:lstStyle/>
+          <a:p>
+            <a:pPr indent="0" lvl="0" marL="0" rtl="0" algn="l">
+              <a:spcBef>
+                <a:spcPts val="0"/>
+              </a:spcBef>
+              <a:spcAft>
+                <a:spcPts val="0"/>
+              </a:spcAft>
+              <a:buNone/>
+            </a:pPr>
+            <a:r>
+              <a:rPr lang="en" sz="3800">
+                <a:solidFill>
+                  <a:srgbClr val="FF0000"/>
+                </a:solidFill>
+                <a:latin typeface="Impact"/>
+                <a:ea typeface="Impact"/>
+                <a:cs typeface="Impact"/>
+                <a:sym typeface="Impact"/>
+              </a:rPr>
+              <a:t>Challenges</a:t>
+            </a:r>
+            <a:endParaRPr sz="3800">
+              <a:solidFill>
+                <a:srgbClr val="FF0000"/>
+              </a:solidFill>
+              <a:latin typeface="Impact"/>
+              <a:ea typeface="Impact"/>
+              <a:cs typeface="Impact"/>
+              <a:sym typeface="Impact"/>
+            </a:endParaRPr>
+          </a:p>
+        </p:txBody>
+      </p:sp>
+      <p:sp>
+        <p:nvSpPr>
+          <p:cNvPr id="119" name="Google Shape;119;p28"/>
+          <p:cNvSpPr txBox="1"/>
+          <p:nvPr/>
+        </p:nvSpPr>
+        <p:spPr>
+          <a:xfrm>
+            <a:off x="935650" y="1794325"/>
+            <a:ext cx="2419800" cy="2836200"/>
+          </a:xfrm>
+          <a:prstGeom prst="rect">
+            <a:avLst/>
+          </a:prstGeom>
+          <a:noFill/>
+          <a:ln>
+            <a:noFill/>
+          </a:ln>
+        </p:spPr>
+        <p:txBody>
+          <a:bodyPr anchorCtr="0" anchor="t" bIns="91425" lIns="91425" spcFirstLastPara="1" rIns="91425" wrap="square" tIns="91425">
+            <a:noAutofit/>
+          </a:bodyPr>
+          <a:lstStyle/>
+          <a:p>
+            <a:pPr indent="0" lvl="0" marL="0" rtl="0" algn="l">
+              <a:spcBef>
+                <a:spcPts val="0"/>
+              </a:spcBef>
+              <a:spcAft>
+                <a:spcPts val="0"/>
+              </a:spcAft>
+              <a:buNone/>
+            </a:pPr>
+            <a:r>
+              <a:t/>
+            </a:r>
+            <a:endParaRPr sz="1800">
+              <a:solidFill>
+                <a:schemeClr val="lt2"/>
+              </a:solidFill>
+            </a:endParaRPr>
+          </a:p>
+        </p:txBody>
+      </p:sp>
+    </p:spTree>
+  </p:cSld>
+  <p:clrMapOvr>
+    <a:masterClrMapping/>
+  </p:clrMapOvr>
+</p:sld>
+</file>
+
+<file path=ppt/slides/slide5.xml><?xml version="1.0" encoding="utf-8"?>
+<p:sld xmlns:a="http://schemas.openxmlformats.org/drawingml/2006/main" xmlns:r="http://schemas.openxmlformats.org/officeDocument/2006/relationships" xmlns:mc="http://schemas.openxmlformats.org/markup-compatibility/2006" xmlns:mv="urn:schemas-microsoft-com:mac:vml" xmlns:p="http://schemas.openxmlformats.org/presentationml/2006/main" xmlns:c="http://schemas.openxmlformats.org/drawingml/2006/chart" xmlns:dgm="http://schemas.openxmlformats.org/drawingml/2006/diagram" xmlns:o="urn:schemas-microsoft-com:office:office" xmlns:v="urn:schemas-microsoft-com:vml" xmlns:pvml="urn:schemas-microsoft-com:office:powerpoint" xmlns:com="http://schemas.openxmlformats.org/drawingml/2006/compatibility" xmlns:p14="http://schemas.microsoft.com/office/powerpoint/2010/main" xmlns:p15="http://schemas.microsoft.com/office/powerpoint/2012/main" xmlns:ahyp="http://schemas.microsoft.com/office/drawing/2018/hyperlinkcolor">
+  <p:cSld>
+    <p:spTree>
+      <p:nvGrpSpPr>
+        <p:cNvPr id="123" name="Shape 123"/>
+        <p:cNvGrpSpPr/>
+        <p:nvPr/>
+      </p:nvGrpSpPr>
+      <p:grpSpPr>
+        <a:xfrm>
+          <a:off x="0" y="0"/>
+          <a:ext cx="0" cy="0"/>
+          <a:chOff x="0" y="0"/>
+          <a:chExt cx="0" cy="0"/>
+        </a:xfrm>
+      </p:grpSpPr>
       <p:pic>
         <p:nvPicPr>
-          <p:cNvPr id="118" name="Google Shape;118;p28"/>
+          <p:cNvPr id="124" name="Google Shape;124;p29"/>
           <p:cNvPicPr preferRelativeResize="0"/>
           <p:nvPr/>
         </p:nvPicPr>
@@ -14145,7 +14676,7 @@
       </p:pic>
       <p:sp>
         <p:nvSpPr>
-          <p:cNvPr id="119" name="Google Shape;119;p28"/>
+          <p:cNvPr id="125" name="Google Shape;125;p29"/>
           <p:cNvSpPr txBox="1"/>
           <p:nvPr>
             <p:ph type="title"/>
@@ -14221,7 +14752,7 @@
       </p:sp>
       <p:pic>
         <p:nvPicPr>
-          <p:cNvPr id="120" name="Google Shape;120;p28"/>
+          <p:cNvPr id="126" name="Google Shape;126;p29"/>
           <p:cNvPicPr preferRelativeResize="0"/>
           <p:nvPr/>
         </p:nvPicPr>
@@ -14249,7 +14780,7 @@
       </p:pic>
       <p:sp>
         <p:nvSpPr>
-          <p:cNvPr id="121" name="Google Shape;121;p28"/>
+          <p:cNvPr id="127" name="Google Shape;127;p29"/>
           <p:cNvSpPr txBox="1"/>
           <p:nvPr/>
         </p:nvSpPr>
@@ -14305,12 +14836,12 @@
 </p:sld>
 </file>
 
-<file path=ppt/slides/slide5.xml><?xml version="1.0" encoding="utf-8"?>
+<file path=ppt/slides/slide6.xml><?xml version="1.0" encoding="utf-8"?>
 <p:sld xmlns:a="http://schemas.openxmlformats.org/drawingml/2006/main" xmlns:r="http://schemas.openxmlformats.org/officeDocument/2006/relationships" xmlns:mc="http://schemas.openxmlformats.org/markup-compatibility/2006" xmlns:mv="urn:schemas-microsoft-com:mac:vml" xmlns:p="http://schemas.openxmlformats.org/presentationml/2006/main" xmlns:c="http://schemas.openxmlformats.org/drawingml/2006/chart" xmlns:dgm="http://schemas.openxmlformats.org/drawingml/2006/diagram" xmlns:o="urn:schemas-microsoft-com:office:office" xmlns:v="urn:schemas-microsoft-com:vml" xmlns:pvml="urn:schemas-microsoft-com:office:powerpoint" xmlns:com="http://schemas.openxmlformats.org/drawingml/2006/compatibility" xmlns:p14="http://schemas.microsoft.com/office/powerpoint/2010/main" xmlns:p15="http://schemas.microsoft.com/office/powerpoint/2012/main" xmlns:ahyp="http://schemas.microsoft.com/office/drawing/2018/hyperlinkcolor">
   <p:cSld>
     <p:spTree>
       <p:nvGrpSpPr>
-        <p:cNvPr id="125" name="Shape 125"/>
+        <p:cNvPr id="131" name="Shape 131"/>
         <p:cNvGrpSpPr/>
         <p:nvPr/>
       </p:nvGrpSpPr>
@@ -14324,7 +14855,7 @@
       </p:grpSpPr>
       <p:sp>
         <p:nvSpPr>
-          <p:cNvPr id="126" name="Google Shape;126;p29"/>
+          <p:cNvPr id="132" name="Google Shape;132;p30"/>
           <p:cNvSpPr txBox="1"/>
           <p:nvPr>
             <p:ph idx="2" type="body"/>
@@ -14583,7 +15114,7 @@
       </p:sp>
       <p:pic>
         <p:nvPicPr>
-          <p:cNvPr id="127" name="Google Shape;127;p29"/>
+          <p:cNvPr id="133" name="Google Shape;133;p30"/>
           <p:cNvPicPr preferRelativeResize="0"/>
           <p:nvPr/>
         </p:nvPicPr>
@@ -14617,12 +15148,12 @@
 </p:sld>
 </file>
 
-<file path=ppt/slides/slide6.xml><?xml version="1.0" encoding="utf-8"?>
+<file path=ppt/slides/slide7.xml><?xml version="1.0" encoding="utf-8"?>
 <p:sld xmlns:a="http://schemas.openxmlformats.org/drawingml/2006/main" xmlns:r="http://schemas.openxmlformats.org/officeDocument/2006/relationships" xmlns:mc="http://schemas.openxmlformats.org/markup-compatibility/2006" xmlns:mv="urn:schemas-microsoft-com:mac:vml" xmlns:p="http://schemas.openxmlformats.org/presentationml/2006/main" xmlns:c="http://schemas.openxmlformats.org/drawingml/2006/chart" xmlns:dgm="http://schemas.openxmlformats.org/drawingml/2006/diagram" xmlns:o="urn:schemas-microsoft-com:office:office" xmlns:v="urn:schemas-microsoft-com:vml" xmlns:pvml="urn:schemas-microsoft-com:office:powerpoint" xmlns:com="http://schemas.openxmlformats.org/drawingml/2006/compatibility" xmlns:p14="http://schemas.microsoft.com/office/powerpoint/2010/main" xmlns:p15="http://schemas.microsoft.com/office/powerpoint/2012/main" xmlns:ahyp="http://schemas.microsoft.com/office/drawing/2018/hyperlinkcolor">
   <p:cSld>
     <p:spTree>
       <p:nvGrpSpPr>
-        <p:cNvPr id="131" name="Shape 131"/>
+        <p:cNvPr id="137" name="Shape 137"/>
         <p:cNvGrpSpPr/>
         <p:nvPr/>
       </p:nvGrpSpPr>
@@ -14636,7 +15167,7 @@
       </p:grpSpPr>
       <p:sp>
         <p:nvSpPr>
-          <p:cNvPr id="132" name="Google Shape;132;p30"/>
+          <p:cNvPr id="138" name="Google Shape;138;p31"/>
           <p:cNvSpPr txBox="1"/>
           <p:nvPr>
             <p:ph type="title"/>
@@ -14696,7 +15227,7 @@
       </p:sp>
       <p:sp>
         <p:nvSpPr>
-          <p:cNvPr id="133" name="Google Shape;133;p30"/>
+          <p:cNvPr id="139" name="Google Shape;139;p31"/>
           <p:cNvSpPr txBox="1"/>
           <p:nvPr>
             <p:ph idx="1" type="body"/>
@@ -14782,7 +15313,7 @@
       </p:sp>
       <p:pic>
         <p:nvPicPr>
-          <p:cNvPr id="134" name="Google Shape;134;p30"/>
+          <p:cNvPr id="140" name="Google Shape;140;p31"/>
           <p:cNvPicPr preferRelativeResize="0"/>
           <p:nvPr/>
         </p:nvPicPr>
@@ -14810,7 +15341,7 @@
       </p:pic>
       <p:pic>
         <p:nvPicPr>
-          <p:cNvPr id="135" name="Google Shape;135;p30"/>
+          <p:cNvPr id="141" name="Google Shape;141;p31"/>
           <p:cNvPicPr preferRelativeResize="0"/>
           <p:nvPr/>
         </p:nvPicPr>
@@ -14838,7 +15369,7 @@
       </p:pic>
       <p:pic>
         <p:nvPicPr>
-          <p:cNvPr id="136" name="Google Shape;136;p30"/>
+          <p:cNvPr id="142" name="Google Shape;142;p31"/>
           <p:cNvPicPr preferRelativeResize="0"/>
           <p:nvPr/>
         </p:nvPicPr>
@@ -14866,7 +15397,7 @@
       </p:pic>
       <p:pic>
         <p:nvPicPr>
-          <p:cNvPr id="137" name="Google Shape;137;p30"/>
+          <p:cNvPr id="143" name="Google Shape;143;p31"/>
           <p:cNvPicPr preferRelativeResize="0"/>
           <p:nvPr/>
         </p:nvPicPr>
@@ -14894,7 +15425,7 @@
       </p:pic>
       <p:pic>
         <p:nvPicPr>
-          <p:cNvPr id="138" name="Google Shape;138;p30"/>
+          <p:cNvPr id="144" name="Google Shape;144;p31"/>
           <p:cNvPicPr preferRelativeResize="0"/>
           <p:nvPr/>
         </p:nvPicPr>
@@ -14928,12 +15459,12 @@
 </p:sld>
 </file>
 
-<file path=ppt/slides/slide7.xml><?xml version="1.0" encoding="utf-8"?>
+<file path=ppt/slides/slide8.xml><?xml version="1.0" encoding="utf-8"?>
 <p:sld xmlns:a="http://schemas.openxmlformats.org/drawingml/2006/main" xmlns:r="http://schemas.openxmlformats.org/officeDocument/2006/relationships" xmlns:mc="http://schemas.openxmlformats.org/markup-compatibility/2006" xmlns:mv="urn:schemas-microsoft-com:mac:vml" xmlns:p="http://schemas.openxmlformats.org/presentationml/2006/main" xmlns:c="http://schemas.openxmlformats.org/drawingml/2006/chart" xmlns:dgm="http://schemas.openxmlformats.org/drawingml/2006/diagram" xmlns:o="urn:schemas-microsoft-com:office:office" xmlns:v="urn:schemas-microsoft-com:vml" xmlns:pvml="urn:schemas-microsoft-com:office:powerpoint" xmlns:com="http://schemas.openxmlformats.org/drawingml/2006/compatibility" xmlns:p14="http://schemas.microsoft.com/office/powerpoint/2010/main" xmlns:p15="http://schemas.microsoft.com/office/powerpoint/2012/main" xmlns:ahyp="http://schemas.microsoft.com/office/drawing/2018/hyperlinkcolor">
   <p:cSld>
     <p:spTree>
       <p:nvGrpSpPr>
-        <p:cNvPr id="142" name="Shape 142"/>
+        <p:cNvPr id="148" name="Shape 148"/>
         <p:cNvGrpSpPr/>
         <p:nvPr/>
       </p:nvGrpSpPr>
@@ -14947,7 +15478,7 @@
       </p:grpSpPr>
       <p:sp>
         <p:nvSpPr>
-          <p:cNvPr id="143" name="Google Shape;143;p31"/>
+          <p:cNvPr id="149" name="Google Shape;149;p32"/>
           <p:cNvSpPr txBox="1"/>
           <p:nvPr>
             <p:ph type="title"/>
@@ -14987,7 +15518,7 @@
       </p:sp>
       <p:pic>
         <p:nvPicPr>
-          <p:cNvPr id="144" name="Google Shape;144;p31"/>
+          <p:cNvPr id="150" name="Google Shape;150;p32"/>
           <p:cNvPicPr preferRelativeResize="0"/>
           <p:nvPr/>
         </p:nvPicPr>
@@ -15015,7 +15546,7 @@
       </p:pic>
       <p:pic>
         <p:nvPicPr>
-          <p:cNvPr id="145" name="Google Shape;145;p31"/>
+          <p:cNvPr id="151" name="Google Shape;151;p32"/>
           <p:cNvPicPr preferRelativeResize="0"/>
           <p:nvPr/>
         </p:nvPicPr>
@@ -15043,7 +15574,7 @@
       </p:pic>
       <p:pic>
         <p:nvPicPr>
-          <p:cNvPr id="146" name="Google Shape;146;p31"/>
+          <p:cNvPr id="152" name="Google Shape;152;p32"/>
           <p:cNvPicPr preferRelativeResize="0"/>
           <p:nvPr/>
         </p:nvPicPr>
@@ -15071,7 +15602,7 @@
       </p:pic>
       <p:pic>
         <p:nvPicPr>
-          <p:cNvPr id="147" name="Google Shape;147;p31"/>
+          <p:cNvPr id="153" name="Google Shape;153;p32"/>
           <p:cNvPicPr preferRelativeResize="0"/>
           <p:nvPr/>
         </p:nvPicPr>
@@ -15105,7 +15636,7 @@
 </p:sld>
 </file>
 
-<file path=ppt/slides/slide8.xml><?xml version="1.0" encoding="utf-8"?>
+<file path=ppt/slides/slide9.xml><?xml version="1.0" encoding="utf-8"?>
 <p:sld xmlns:a="http://schemas.openxmlformats.org/drawingml/2006/main" xmlns:r="http://schemas.openxmlformats.org/officeDocument/2006/relationships" xmlns:mc="http://schemas.openxmlformats.org/markup-compatibility/2006" xmlns:mv="urn:schemas-microsoft-com:mac:vml" xmlns:p="http://schemas.openxmlformats.org/presentationml/2006/main" xmlns:c="http://schemas.openxmlformats.org/drawingml/2006/chart" xmlns:dgm="http://schemas.openxmlformats.org/drawingml/2006/diagram" xmlns:o="urn:schemas-microsoft-com:office:office" xmlns:v="urn:schemas-microsoft-com:vml" xmlns:pvml="urn:schemas-microsoft-com:office:powerpoint" xmlns:com="http://schemas.openxmlformats.org/drawingml/2006/compatibility" xmlns:p14="http://schemas.microsoft.com/office/powerpoint/2010/main" xmlns:p15="http://schemas.microsoft.com/office/powerpoint/2012/main" xmlns:ahyp="http://schemas.microsoft.com/office/drawing/2018/hyperlinkcolor">
   <p:cSld>
     <p:bg>
@@ -15122,7 +15653,7 @@
     </p:bg>
     <p:spTree>
       <p:nvGrpSpPr>
-        <p:cNvPr id="151" name="Shape 151"/>
+        <p:cNvPr id="157" name="Shape 157"/>
         <p:cNvGrpSpPr/>
         <p:nvPr/>
       </p:nvGrpSpPr>
@@ -15136,7 +15667,7 @@
       </p:grpSpPr>
       <p:sp>
         <p:nvSpPr>
-          <p:cNvPr id="152" name="Google Shape;152;p32"/>
+          <p:cNvPr id="158" name="Google Shape;158;p33"/>
           <p:cNvSpPr txBox="1"/>
           <p:nvPr>
             <p:ph idx="1" type="body"/>
@@ -15320,7 +15851,7 @@
       </p:sp>
       <p:sp>
         <p:nvSpPr>
-          <p:cNvPr id="153" name="Google Shape;153;p32"/>
+          <p:cNvPr id="159" name="Google Shape;159;p33"/>
           <p:cNvSpPr txBox="1"/>
           <p:nvPr>
             <p:ph type="title"/>
@@ -15360,7 +15891,7 @@
       </p:sp>
       <p:pic>
         <p:nvPicPr>
-          <p:cNvPr id="154" name="Google Shape;154;p32"/>
+          <p:cNvPr id="160" name="Google Shape;160;p33"/>
           <p:cNvPicPr preferRelativeResize="0"/>
           <p:nvPr/>
         </p:nvPicPr>
@@ -15388,7 +15919,7 @@
       </p:pic>
       <p:pic>
         <p:nvPicPr>
-          <p:cNvPr id="155" name="Google Shape;155;p32"/>
+          <p:cNvPr id="161" name="Google Shape;161;p33"/>
           <p:cNvPicPr preferRelativeResize="0"/>
           <p:nvPr/>
         </p:nvPicPr>
@@ -15402,299 +15933,8 @@
         </p:blipFill>
         <p:spPr>
           <a:xfrm>
-            <a:off x="5696125" y="2751225"/>
-            <a:ext cx="3344501" cy="2272876"/>
-          </a:xfrm>
-          <a:prstGeom prst="rect">
-            <a:avLst/>
-          </a:prstGeom>
-          <a:noFill/>
-          <a:ln>
-            <a:noFill/>
-          </a:ln>
-        </p:spPr>
-      </p:pic>
-    </p:spTree>
-  </p:cSld>
-  <p:clrMapOvr>
-    <a:masterClrMapping/>
-  </p:clrMapOvr>
-</p:sld>
-</file>
-
-<file path=ppt/slides/slide9.xml><?xml version="1.0" encoding="utf-8"?>
-<p:sld xmlns:a="http://schemas.openxmlformats.org/drawingml/2006/main" xmlns:r="http://schemas.openxmlformats.org/officeDocument/2006/relationships" xmlns:mc="http://schemas.openxmlformats.org/markup-compatibility/2006" xmlns:mv="urn:schemas-microsoft-com:mac:vml" xmlns:p="http://schemas.openxmlformats.org/presentationml/2006/main" xmlns:c="http://schemas.openxmlformats.org/drawingml/2006/chart" xmlns:dgm="http://schemas.openxmlformats.org/drawingml/2006/diagram" xmlns:o="urn:schemas-microsoft-com:office:office" xmlns:v="urn:schemas-microsoft-com:vml" xmlns:pvml="urn:schemas-microsoft-com:office:powerpoint" xmlns:com="http://schemas.openxmlformats.org/drawingml/2006/compatibility" xmlns:p14="http://schemas.microsoft.com/office/powerpoint/2010/main" xmlns:p15="http://schemas.microsoft.com/office/powerpoint/2012/main" xmlns:ahyp="http://schemas.microsoft.com/office/drawing/2018/hyperlinkcolor">
-  <p:cSld>
-    <p:spTree>
-      <p:nvGrpSpPr>
-        <p:cNvPr id="159" name="Shape 159"/>
-        <p:cNvGrpSpPr/>
-        <p:nvPr/>
-      </p:nvGrpSpPr>
-      <p:grpSpPr>
-        <a:xfrm>
-          <a:off x="0" y="0"/>
-          <a:ext cx="0" cy="0"/>
-          <a:chOff x="0" y="0"/>
-          <a:chExt cx="0" cy="0"/>
-        </a:xfrm>
-      </p:grpSpPr>
-      <p:sp>
-        <p:nvSpPr>
-          <p:cNvPr id="160" name="Google Shape;160;p33"/>
-          <p:cNvSpPr txBox="1"/>
-          <p:nvPr/>
-        </p:nvSpPr>
-        <p:spPr>
-          <a:xfrm>
-            <a:off x="888600" y="223100"/>
-            <a:ext cx="7366800" cy="482700"/>
-          </a:xfrm>
-          <a:prstGeom prst="rect">
-            <a:avLst/>
-          </a:prstGeom>
-          <a:noFill/>
-          <a:ln>
-            <a:noFill/>
-          </a:ln>
-        </p:spPr>
-        <p:txBody>
-          <a:bodyPr anchorCtr="0" anchor="t" bIns="91425" lIns="91425" spcFirstLastPara="1" rIns="91425" wrap="square" tIns="91425">
-            <a:noAutofit/>
-          </a:bodyPr>
-          <a:lstStyle/>
-          <a:p>
-            <a:pPr indent="0" lvl="0" marL="0" rtl="0" algn="ctr">
-              <a:spcBef>
-                <a:spcPts val="0"/>
-              </a:spcBef>
-              <a:spcAft>
-                <a:spcPts val="0"/>
-              </a:spcAft>
-              <a:buNone/>
-            </a:pPr>
-            <a:r>
-              <a:rPr b="1" lang="en" sz="1800">
-                <a:solidFill>
-                  <a:schemeClr val="dk1"/>
-                </a:solidFill>
-              </a:rPr>
-              <a:t>Which state has the highest number of claims and why.</a:t>
-            </a:r>
-            <a:endParaRPr b="1" sz="1800">
-              <a:solidFill>
-                <a:schemeClr val="dk1"/>
-              </a:solidFill>
-            </a:endParaRPr>
-          </a:p>
-        </p:txBody>
-      </p:sp>
-      <p:pic>
-        <p:nvPicPr>
-          <p:cNvPr id="161" name="Google Shape;161;p33"/>
-          <p:cNvPicPr preferRelativeResize="0"/>
-          <p:nvPr/>
-        </p:nvPicPr>
-        <p:blipFill>
-          <a:blip r:embed="rId3">
-            <a:alphaModFix/>
-          </a:blip>
-          <a:stretch>
-            <a:fillRect/>
-          </a:stretch>
-        </p:blipFill>
-        <p:spPr>
-          <a:xfrm>
-            <a:off x="1869350" y="2704098"/>
-            <a:ext cx="1901275" cy="1901251"/>
-          </a:xfrm>
-          <a:prstGeom prst="rect">
-            <a:avLst/>
-          </a:prstGeom>
-          <a:noFill/>
-          <a:ln>
-            <a:noFill/>
-          </a:ln>
-        </p:spPr>
-      </p:pic>
-      <p:sp>
-        <p:nvSpPr>
-          <p:cNvPr id="162" name="Google Shape;162;p33"/>
-          <p:cNvSpPr txBox="1"/>
-          <p:nvPr/>
-        </p:nvSpPr>
-        <p:spPr>
-          <a:xfrm>
-            <a:off x="5424875" y="1401900"/>
-            <a:ext cx="2382000" cy="2339700"/>
-          </a:xfrm>
-          <a:prstGeom prst="rect">
-            <a:avLst/>
-          </a:prstGeom>
-          <a:noFill/>
-          <a:ln>
-            <a:noFill/>
-          </a:ln>
-        </p:spPr>
-        <p:txBody>
-          <a:bodyPr anchorCtr="0" anchor="t" bIns="91425" lIns="91425" spcFirstLastPara="1" rIns="91425" wrap="square" tIns="91425">
-            <a:spAutoFit/>
-          </a:bodyPr>
-          <a:lstStyle/>
-          <a:p>
-            <a:pPr indent="0" lvl="0" marL="0" rtl="0" algn="l">
-              <a:lnSpc>
-                <a:spcPct val="150000"/>
-              </a:lnSpc>
-              <a:spcBef>
-                <a:spcPts val="0"/>
-              </a:spcBef>
-              <a:spcAft>
-                <a:spcPts val="0"/>
-              </a:spcAft>
-              <a:buNone/>
-            </a:pPr>
-            <a:r>
-              <a:rPr lang="en" sz="2000">
-                <a:solidFill>
-                  <a:schemeClr val="dk2"/>
-                </a:solidFill>
-              </a:rPr>
-              <a:t>● Arizona</a:t>
-            </a:r>
-            <a:endParaRPr sz="2000">
-              <a:solidFill>
-                <a:schemeClr val="dk2"/>
-              </a:solidFill>
-            </a:endParaRPr>
-          </a:p>
-          <a:p>
-            <a:pPr indent="0" lvl="0" marL="0" rtl="0" algn="l">
-              <a:lnSpc>
-                <a:spcPct val="150000"/>
-              </a:lnSpc>
-              <a:spcBef>
-                <a:spcPts val="0"/>
-              </a:spcBef>
-              <a:spcAft>
-                <a:spcPts val="0"/>
-              </a:spcAft>
-              <a:buNone/>
-            </a:pPr>
-            <a:r>
-              <a:rPr lang="en" sz="2000">
-                <a:solidFill>
-                  <a:schemeClr val="dk2"/>
-                </a:solidFill>
-              </a:rPr>
-              <a:t>● California</a:t>
-            </a:r>
-            <a:endParaRPr sz="2000">
-              <a:solidFill>
-                <a:schemeClr val="dk2"/>
-              </a:solidFill>
-            </a:endParaRPr>
-          </a:p>
-          <a:p>
-            <a:pPr indent="0" lvl="0" marL="0" rtl="0" algn="l">
-              <a:lnSpc>
-                <a:spcPct val="150000"/>
-              </a:lnSpc>
-              <a:spcBef>
-                <a:spcPts val="0"/>
-              </a:spcBef>
-              <a:spcAft>
-                <a:spcPts val="0"/>
-              </a:spcAft>
-              <a:buNone/>
-            </a:pPr>
-            <a:r>
-              <a:rPr lang="en" sz="2000">
-                <a:solidFill>
-                  <a:schemeClr val="dk2"/>
-                </a:solidFill>
-              </a:rPr>
-              <a:t>● Nevada</a:t>
-            </a:r>
-            <a:endParaRPr sz="2000">
-              <a:solidFill>
-                <a:schemeClr val="dk2"/>
-              </a:solidFill>
-            </a:endParaRPr>
-          </a:p>
-          <a:p>
-            <a:pPr indent="0" lvl="0" marL="0" rtl="0" algn="l">
-              <a:lnSpc>
-                <a:spcPct val="150000"/>
-              </a:lnSpc>
-              <a:spcBef>
-                <a:spcPts val="0"/>
-              </a:spcBef>
-              <a:spcAft>
-                <a:spcPts val="0"/>
-              </a:spcAft>
-              <a:buNone/>
-            </a:pPr>
-            <a:r>
-              <a:rPr lang="en" sz="2000">
-                <a:solidFill>
-                  <a:schemeClr val="dk2"/>
-                </a:solidFill>
-              </a:rPr>
-              <a:t>● Oregon</a:t>
-            </a:r>
-            <a:endParaRPr sz="2000">
-              <a:solidFill>
-                <a:schemeClr val="dk2"/>
-              </a:solidFill>
-            </a:endParaRPr>
-          </a:p>
-          <a:p>
-            <a:pPr indent="0" lvl="0" marL="0" rtl="0" algn="l">
-              <a:lnSpc>
-                <a:spcPct val="150000"/>
-              </a:lnSpc>
-              <a:spcBef>
-                <a:spcPts val="0"/>
-              </a:spcBef>
-              <a:spcAft>
-                <a:spcPts val="0"/>
-              </a:spcAft>
-              <a:buNone/>
-            </a:pPr>
-            <a:r>
-              <a:rPr lang="en" sz="2000">
-                <a:solidFill>
-                  <a:schemeClr val="dk2"/>
-                </a:solidFill>
-              </a:rPr>
-              <a:t>● Washington  </a:t>
-            </a:r>
-            <a:endParaRPr sz="2000">
-              <a:solidFill>
-                <a:schemeClr val="dk2"/>
-              </a:solidFill>
-            </a:endParaRPr>
-          </a:p>
-        </p:txBody>
-      </p:sp>
-      <p:pic>
-        <p:nvPicPr>
-          <p:cNvPr id="163" name="Google Shape;163;p33"/>
-          <p:cNvPicPr preferRelativeResize="0"/>
-          <p:nvPr/>
-        </p:nvPicPr>
-        <p:blipFill rotWithShape="1">
-          <a:blip r:embed="rId4">
-            <a:alphaModFix/>
-          </a:blip>
-          <a:srcRect b="12633" l="0" r="2075" t="0"/>
-          <a:stretch/>
-        </p:blipFill>
-        <p:spPr>
-          <a:xfrm>
-            <a:off x="1766925" y="788200"/>
-            <a:ext cx="2106124" cy="2009123"/>
+            <a:off x="5834225" y="2896825"/>
+            <a:ext cx="3245600" cy="2205676"/>
           </a:xfrm>
           <a:prstGeom prst="rect">
             <a:avLst/>
@@ -15714,9 +15954,9 @@
 </file>
 
 <file path=ppt/theme/theme1.xml><?xml version="1.0" encoding="utf-8"?>
-<a:theme xmlns:a="http://schemas.openxmlformats.org/drawingml/2006/main" xmlns:r="http://schemas.openxmlformats.org/officeDocument/2006/relationships" name="Simple Light">
+<a:theme xmlns:a="http://schemas.openxmlformats.org/drawingml/2006/main" xmlns:r="http://schemas.openxmlformats.org/officeDocument/2006/relationships">
   <a:themeElements>
-    <a:clrScheme name="Simple Light">
+    <a:clrScheme name="Default">
       <a:dk1>
         <a:srgbClr val="000000"/>
       </a:dk1>
@@ -15724,34 +15964,34 @@
         <a:srgbClr val="FFFFFF"/>
       </a:lt1>
       <a:dk2>
-        <a:srgbClr val="595959"/>
+        <a:srgbClr val="158158"/>
       </a:dk2>
       <a:lt2>
-        <a:srgbClr val="EEEEEE"/>
+        <a:srgbClr val="F3F3F3"/>
       </a:lt2>
       <a:accent1>
-        <a:srgbClr val="4285F4"/>
+        <a:srgbClr val="058DC7"/>
       </a:accent1>
       <a:accent2>
-        <a:srgbClr val="212121"/>
+        <a:srgbClr val="50B432"/>
       </a:accent2>
       <a:accent3>
-        <a:srgbClr val="78909C"/>
+        <a:srgbClr val="ED561B"/>
       </a:accent3>
       <a:accent4>
-        <a:srgbClr val="FFAB40"/>
+        <a:srgbClr val="EDEF00"/>
       </a:accent4>
       <a:accent5>
-        <a:srgbClr val="0097A7"/>
+        <a:srgbClr val="24CBE5"/>
       </a:accent5>
       <a:accent6>
-        <a:srgbClr val="EEFF41"/>
+        <a:srgbClr val="64E572"/>
       </a:accent6>
       <a:hlink>
-        <a:srgbClr val="0097A7"/>
+        <a:srgbClr val="2200CC"/>
       </a:hlink>
       <a:folHlink>
-        <a:srgbClr val="0097A7"/>
+        <a:srgbClr val="551A8B"/>
       </a:folHlink>
     </a:clrScheme>
     <a:fontScheme name="Office">
@@ -16272,9 +16512,9 @@
 </file>
 
 <file path=ppt/theme/theme3.xml><?xml version="1.0" encoding="utf-8"?>
-<a:theme xmlns:a="http://schemas.openxmlformats.org/drawingml/2006/main" xmlns:r="http://schemas.openxmlformats.org/officeDocument/2006/relationships">
+<a:theme xmlns:a="http://schemas.openxmlformats.org/drawingml/2006/main" xmlns:r="http://schemas.openxmlformats.org/officeDocument/2006/relationships" name="Simple Light">
   <a:themeElements>
-    <a:clrScheme name="Default">
+    <a:clrScheme name="Simple Light">
       <a:dk1>
         <a:srgbClr val="000000"/>
       </a:dk1>
@@ -16282,34 +16522,34 @@
         <a:srgbClr val="FFFFFF"/>
       </a:lt1>
       <a:dk2>
-        <a:srgbClr val="158158"/>
+        <a:srgbClr val="595959"/>
       </a:dk2>
       <a:lt2>
-        <a:srgbClr val="F3F3F3"/>
+        <a:srgbClr val="EEEEEE"/>
       </a:lt2>
       <a:accent1>
-        <a:srgbClr val="058DC7"/>
+        <a:srgbClr val="4285F4"/>
       </a:accent1>
       <a:accent2>
-        <a:srgbClr val="50B432"/>
+        <a:srgbClr val="212121"/>
       </a:accent2>
       <a:accent3>
-        <a:srgbClr val="ED561B"/>
+        <a:srgbClr val="78909C"/>
       </a:accent3>
       <a:accent4>
-        <a:srgbClr val="EDEF00"/>
+        <a:srgbClr val="FFAB40"/>
       </a:accent4>
       <a:accent5>
-        <a:srgbClr val="24CBE5"/>
+        <a:srgbClr val="0097A7"/>
       </a:accent5>
       <a:accent6>
-        <a:srgbClr val="64E572"/>
+        <a:srgbClr val="EEFF41"/>
       </a:accent6>
       <a:hlink>
-        <a:srgbClr val="2200CC"/>
+        <a:srgbClr val="0097A7"/>
       </a:hlink>
       <a:folHlink>
-        <a:srgbClr val="551A8B"/>
+        <a:srgbClr val="0097A7"/>
       </a:folHlink>
     </a:clrScheme>
     <a:fontScheme name="Office">
